--- a/docs/unity-scene-1706.pptx
+++ b/docs/unity-scene-1706.pptx
@@ -6,16 +6,17 @@
   </p:sldMasterIdLst>
   <p:sldIdLst>
     <p:sldId id="256" r:id="rId2"/>
-    <p:sldId id="257" r:id="rId3"/>
-    <p:sldId id="259" r:id="rId4"/>
-    <p:sldId id="260" r:id="rId5"/>
-    <p:sldId id="261" r:id="rId6"/>
-    <p:sldId id="262" r:id="rId7"/>
-    <p:sldId id="263" r:id="rId8"/>
-    <p:sldId id="264" r:id="rId9"/>
-    <p:sldId id="265" r:id="rId10"/>
-    <p:sldId id="266" r:id="rId11"/>
-    <p:sldId id="267" r:id="rId12"/>
+    <p:sldId id="268" r:id="rId3"/>
+    <p:sldId id="257" r:id="rId4"/>
+    <p:sldId id="259" r:id="rId5"/>
+    <p:sldId id="260" r:id="rId6"/>
+    <p:sldId id="261" r:id="rId7"/>
+    <p:sldId id="262" r:id="rId8"/>
+    <p:sldId id="263" r:id="rId9"/>
+    <p:sldId id="264" r:id="rId10"/>
+    <p:sldId id="265" r:id="rId11"/>
+    <p:sldId id="266" r:id="rId12"/>
+    <p:sldId id="267" r:id="rId13"/>
   </p:sldIdLst>
   <p:sldSz cx="12192000" cy="6858000"/>
   <p:notesSz cx="6858000" cy="9144000"/>
@@ -3390,6 +3391,678 @@
               <a:t>(</a:t>
             </a:r>
             <a:r>
+              <a:rPr lang="ja-JP" altLang="en-US"/>
+              <a:t>スコア</a:t>
+            </a:r>
+            <a:r>
+              <a:rPr kumimoji="1" lang="en-US" altLang="ja-JP" smtClean="0"/>
+              <a:t>)</a:t>
+            </a:r>
+            <a:endParaRPr kumimoji="1" lang="ja-JP" altLang="en-US"/>
+          </a:p>
+        </p:txBody>
+      </p:sp>
+      <p:sp>
+        <p:nvSpPr>
+          <p:cNvPr id="5" name="角丸四角形 4"/>
+          <p:cNvSpPr/>
+          <p:nvPr/>
+        </p:nvSpPr>
+        <p:spPr>
+          <a:xfrm>
+            <a:off x="1078089" y="835378"/>
+            <a:ext cx="9932812" cy="1825023"/>
+          </a:xfrm>
+          <a:prstGeom prst="roundRect">
+            <a:avLst/>
+          </a:prstGeom>
+          <a:solidFill>
+            <a:schemeClr val="accent4">
+              <a:lumMod val="20000"/>
+              <a:lumOff val="80000"/>
+            </a:schemeClr>
+          </a:solidFill>
+        </p:spPr>
+        <p:style>
+          <a:lnRef idx="1">
+            <a:schemeClr val="accent4"/>
+          </a:lnRef>
+          <a:fillRef idx="2">
+            <a:schemeClr val="accent4"/>
+          </a:fillRef>
+          <a:effectRef idx="1">
+            <a:schemeClr val="accent4"/>
+          </a:effectRef>
+          <a:fontRef idx="minor">
+            <a:schemeClr val="dk1"/>
+          </a:fontRef>
+        </p:style>
+        <p:txBody>
+          <a:bodyPr rtlCol="0" anchor="t"/>
+          <a:lstStyle/>
+          <a:p>
+            <a:pPr lvl="1"/>
+            <a:r>
+              <a:rPr lang="ja-JP" altLang="en-US" sz="2400" smtClean="0"/>
+              <a:t>タイトルシーン</a:t>
+            </a:r>
+            <a:endParaRPr lang="en-US" altLang="ja-JP" sz="2400" smtClean="0"/>
+          </a:p>
+        </p:txBody>
+      </p:sp>
+      <p:sp>
+        <p:nvSpPr>
+          <p:cNvPr id="6" name="角丸四角形 5"/>
+          <p:cNvSpPr/>
+          <p:nvPr/>
+        </p:nvSpPr>
+        <p:spPr>
+          <a:xfrm>
+            <a:off x="1078089" y="2841978"/>
+            <a:ext cx="9932811" cy="3901722"/>
+          </a:xfrm>
+          <a:prstGeom prst="roundRect">
+            <a:avLst/>
+          </a:prstGeom>
+          <a:solidFill>
+            <a:schemeClr val="accent4">
+              <a:lumMod val="20000"/>
+              <a:lumOff val="80000"/>
+            </a:schemeClr>
+          </a:solidFill>
+        </p:spPr>
+        <p:style>
+          <a:lnRef idx="1">
+            <a:schemeClr val="accent4"/>
+          </a:lnRef>
+          <a:fillRef idx="2">
+            <a:schemeClr val="accent4"/>
+          </a:fillRef>
+          <a:effectRef idx="1">
+            <a:schemeClr val="accent4"/>
+          </a:effectRef>
+          <a:fontRef idx="minor">
+            <a:schemeClr val="dk1"/>
+          </a:fontRef>
+        </p:style>
+        <p:txBody>
+          <a:bodyPr rtlCol="0" anchor="t"/>
+          <a:lstStyle/>
+          <a:p>
+            <a:pPr lvl="1"/>
+            <a:r>
+              <a:rPr lang="ja-JP" altLang="en-US" sz="2400" smtClean="0"/>
+              <a:t>ゲームシーン</a:t>
+            </a:r>
+            <a:endParaRPr lang="en-US" altLang="ja-JP" sz="2400" smtClean="0"/>
+          </a:p>
+        </p:txBody>
+      </p:sp>
+      <p:grpSp>
+        <p:nvGrpSpPr>
+          <p:cNvPr id="18" name="グループ化 17"/>
+          <p:cNvGrpSpPr/>
+          <p:nvPr/>
+        </p:nvGrpSpPr>
+        <p:grpSpPr>
+          <a:xfrm>
+            <a:off x="3911601" y="1038564"/>
+            <a:ext cx="6845299" cy="1428062"/>
+            <a:chOff x="3911601" y="1038564"/>
+            <a:chExt cx="6845299" cy="1428062"/>
+          </a:xfrm>
+        </p:grpSpPr>
+        <p:sp>
+          <p:nvSpPr>
+            <p:cNvPr id="9" name="角丸四角形 8"/>
+            <p:cNvSpPr/>
+            <p:nvPr/>
+          </p:nvSpPr>
+          <p:spPr>
+            <a:xfrm>
+              <a:off x="3911601" y="1038564"/>
+              <a:ext cx="6845299" cy="1428062"/>
+            </a:xfrm>
+            <a:prstGeom prst="roundRect">
+              <a:avLst/>
+            </a:prstGeom>
+          </p:spPr>
+          <p:style>
+            <a:lnRef idx="2">
+              <a:schemeClr val="accent6"/>
+            </a:lnRef>
+            <a:fillRef idx="1">
+              <a:schemeClr val="lt1"/>
+            </a:fillRef>
+            <a:effectRef idx="0">
+              <a:schemeClr val="accent6"/>
+            </a:effectRef>
+            <a:fontRef idx="minor">
+              <a:schemeClr val="dk1"/>
+            </a:fontRef>
+          </p:style>
+          <p:txBody>
+            <a:bodyPr rtlCol="0" anchor="t"/>
+            <a:lstStyle/>
+            <a:p>
+              <a:pPr lvl="1"/>
+              <a:r>
+                <a:rPr lang="en-US" altLang="ja-JP" sz="2000" smtClean="0"/>
+                <a:t>TitleManager</a:t>
+              </a:r>
+              <a:r>
+                <a:rPr lang="ja-JP" altLang="en-US" sz="2000" smtClean="0"/>
+                <a:t>オブジェクト</a:t>
+              </a:r>
+              <a:endParaRPr lang="en-US" altLang="ja-JP" sz="2000" smtClean="0"/>
+            </a:p>
+          </p:txBody>
+        </p:sp>
+        <p:sp>
+          <p:nvSpPr>
+            <p:cNvPr id="15" name="テキスト ボックス 14"/>
+            <p:cNvSpPr txBox="1"/>
+            <p:nvPr/>
+          </p:nvSpPr>
+          <p:spPr>
+            <a:xfrm>
+              <a:off x="7350126" y="1551299"/>
+              <a:ext cx="3111500" cy="707886"/>
+            </a:xfrm>
+            <a:prstGeom prst="rect">
+              <a:avLst/>
+            </a:prstGeom>
+            <a:solidFill>
+              <a:schemeClr val="accent4"/>
+            </a:solidFill>
+          </p:spPr>
+          <p:style>
+            <a:lnRef idx="2">
+              <a:schemeClr val="dk1"/>
+            </a:lnRef>
+            <a:fillRef idx="1">
+              <a:schemeClr val="lt1"/>
+            </a:fillRef>
+            <a:effectRef idx="0">
+              <a:schemeClr val="dk1"/>
+            </a:effectRef>
+            <a:fontRef idx="minor">
+              <a:schemeClr val="dk1"/>
+            </a:fontRef>
+          </p:style>
+          <p:txBody>
+            <a:bodyPr wrap="square" rtlCol="0">
+              <a:spAutoFit/>
+            </a:bodyPr>
+            <a:lstStyle/>
+            <a:p>
+              <a:pPr lvl="1"/>
+              <a:r>
+                <a:rPr lang="en-US" altLang="ja-JP" sz="2000"/>
+                <a:t>GameParams.cs</a:t>
+              </a:r>
+            </a:p>
+            <a:p>
+              <a:pPr marL="800100" lvl="1" indent="-342900">
+                <a:buFont typeface="Arial" panose="020B0604020202020204" pitchFamily="34" charset="0"/>
+                <a:buChar char="•"/>
+              </a:pPr>
+              <a:r>
+                <a:rPr lang="ja-JP" altLang="en-US" sz="2000"/>
+                <a:t>スコアなど管理</a:t>
+              </a:r>
+              <a:endParaRPr lang="en-US" altLang="ja-JP" sz="2000"/>
+            </a:p>
+          </p:txBody>
+        </p:sp>
+      </p:grpSp>
+      <p:grpSp>
+        <p:nvGrpSpPr>
+          <p:cNvPr id="28" name="グループ化 27"/>
+          <p:cNvGrpSpPr/>
+          <p:nvPr/>
+        </p:nvGrpSpPr>
+        <p:grpSpPr>
+          <a:xfrm>
+            <a:off x="3911601" y="3063970"/>
+            <a:ext cx="6845299" cy="1415350"/>
+            <a:chOff x="3611739" y="2792583"/>
+            <a:chExt cx="6845299" cy="1415350"/>
+          </a:xfrm>
+        </p:grpSpPr>
+        <p:sp>
+          <p:nvSpPr>
+            <p:cNvPr id="11" name="角丸四角形 10"/>
+            <p:cNvSpPr/>
+            <p:nvPr/>
+          </p:nvSpPr>
+          <p:spPr>
+            <a:xfrm>
+              <a:off x="3611739" y="2792583"/>
+              <a:ext cx="6845299" cy="1415350"/>
+            </a:xfrm>
+            <a:prstGeom prst="roundRect">
+              <a:avLst/>
+            </a:prstGeom>
+          </p:spPr>
+          <p:style>
+            <a:lnRef idx="2">
+              <a:schemeClr val="accent6"/>
+            </a:lnRef>
+            <a:fillRef idx="1">
+              <a:schemeClr val="lt1"/>
+            </a:fillRef>
+            <a:effectRef idx="0">
+              <a:schemeClr val="accent6"/>
+            </a:effectRef>
+            <a:fontRef idx="minor">
+              <a:schemeClr val="dk1"/>
+            </a:fontRef>
+          </p:style>
+          <p:txBody>
+            <a:bodyPr rtlCol="0" anchor="t"/>
+            <a:lstStyle/>
+            <a:p>
+              <a:pPr lvl="1"/>
+              <a:r>
+                <a:rPr lang="en-US" altLang="ja-JP" sz="2000" smtClean="0"/>
+                <a:t>GameManager</a:t>
+              </a:r>
+              <a:r>
+                <a:rPr lang="ja-JP" altLang="en-US" sz="2000" smtClean="0"/>
+                <a:t>オブジェクト</a:t>
+              </a:r>
+              <a:endParaRPr lang="en-US" altLang="ja-JP" sz="2000" smtClean="0"/>
+            </a:p>
+          </p:txBody>
+        </p:sp>
+        <p:sp>
+          <p:nvSpPr>
+            <p:cNvPr id="17" name="テキスト ボックス 16"/>
+            <p:cNvSpPr txBox="1"/>
+            <p:nvPr/>
+          </p:nvSpPr>
+          <p:spPr>
+            <a:xfrm>
+              <a:off x="7050969" y="3267243"/>
+              <a:ext cx="3111500" cy="707886"/>
+            </a:xfrm>
+            <a:prstGeom prst="rect">
+              <a:avLst/>
+            </a:prstGeom>
+            <a:solidFill>
+              <a:schemeClr val="accent4"/>
+            </a:solidFill>
+          </p:spPr>
+          <p:style>
+            <a:lnRef idx="2">
+              <a:schemeClr val="dk1"/>
+            </a:lnRef>
+            <a:fillRef idx="1">
+              <a:schemeClr val="lt1"/>
+            </a:fillRef>
+            <a:effectRef idx="0">
+              <a:schemeClr val="dk1"/>
+            </a:effectRef>
+            <a:fontRef idx="minor">
+              <a:schemeClr val="dk1"/>
+            </a:fontRef>
+          </p:style>
+          <p:txBody>
+            <a:bodyPr wrap="square" rtlCol="0">
+              <a:spAutoFit/>
+            </a:bodyPr>
+            <a:lstStyle/>
+            <a:p>
+              <a:pPr lvl="1"/>
+              <a:r>
+                <a:rPr lang="en-US" altLang="ja-JP" sz="2000"/>
+                <a:t>GameParams.cs</a:t>
+              </a:r>
+            </a:p>
+            <a:p>
+              <a:pPr marL="800100" lvl="1" indent="-342900">
+                <a:buFont typeface="Arial" panose="020B0604020202020204" pitchFamily="34" charset="0"/>
+                <a:buChar char="•"/>
+              </a:pPr>
+              <a:r>
+                <a:rPr lang="ja-JP" altLang="en-US" sz="2000"/>
+                <a:t>スコアなど管理</a:t>
+              </a:r>
+              <a:endParaRPr lang="en-US" altLang="ja-JP" sz="2000"/>
+            </a:p>
+          </p:txBody>
+        </p:sp>
+      </p:grpSp>
+      <p:sp>
+        <p:nvSpPr>
+          <p:cNvPr id="20" name="角丸四角形 19"/>
+          <p:cNvSpPr/>
+          <p:nvPr/>
+        </p:nvSpPr>
+        <p:spPr>
+          <a:xfrm>
+            <a:off x="1384301" y="1642966"/>
+            <a:ext cx="2287412" cy="823660"/>
+          </a:xfrm>
+          <a:prstGeom prst="roundRect">
+            <a:avLst/>
+          </a:prstGeom>
+        </p:spPr>
+        <p:style>
+          <a:lnRef idx="2">
+            <a:schemeClr val="accent6"/>
+          </a:lnRef>
+          <a:fillRef idx="1">
+            <a:schemeClr val="lt1"/>
+          </a:fillRef>
+          <a:effectRef idx="0">
+            <a:schemeClr val="accent6"/>
+          </a:effectRef>
+          <a:fontRef idx="minor">
+            <a:schemeClr val="dk1"/>
+          </a:fontRef>
+        </p:style>
+        <p:txBody>
+          <a:bodyPr rtlCol="0" anchor="t"/>
+          <a:lstStyle/>
+          <a:p>
+            <a:pPr lvl="1"/>
+            <a:r>
+              <a:rPr lang="en-US" altLang="ja-JP" sz="2000" smtClean="0"/>
+              <a:t>ScoreText</a:t>
+            </a:r>
+          </a:p>
+          <a:p>
+            <a:pPr lvl="1"/>
+            <a:r>
+              <a:rPr lang="ja-JP" altLang="en-US" sz="2000" smtClean="0"/>
+              <a:t>オブジェクト</a:t>
+            </a:r>
+            <a:endParaRPr lang="en-US" altLang="ja-JP" sz="2000" smtClean="0"/>
+          </a:p>
+        </p:txBody>
+      </p:sp>
+      <p:cxnSp>
+        <p:nvCxnSpPr>
+          <p:cNvPr id="24" name="曲線コネクタ 23"/>
+          <p:cNvCxnSpPr>
+            <a:stCxn id="20" idx="2"/>
+            <a:endCxn id="15" idx="2"/>
+          </p:cNvCxnSpPr>
+          <p:nvPr/>
+        </p:nvCxnSpPr>
+        <p:spPr>
+          <a:xfrm rot="5400000" flipH="1" flipV="1">
+            <a:off x="5613220" y="-826029"/>
+            <a:ext cx="207441" cy="6377869"/>
+          </a:xfrm>
+          <a:prstGeom prst="curvedConnector3">
+            <a:avLst>
+              <a:gd name="adj1" fmla="val -110200"/>
+            </a:avLst>
+          </a:prstGeom>
+          <a:ln w="38100">
+            <a:headEnd type="none" w="med" len="med"/>
+            <a:tailEnd type="arrow" w="med" len="med"/>
+          </a:ln>
+        </p:spPr>
+        <p:style>
+          <a:lnRef idx="3">
+            <a:schemeClr val="accent1"/>
+          </a:lnRef>
+          <a:fillRef idx="0">
+            <a:schemeClr val="accent1"/>
+          </a:fillRef>
+          <a:effectRef idx="2">
+            <a:schemeClr val="accent1"/>
+          </a:effectRef>
+          <a:fontRef idx="minor">
+            <a:schemeClr val="tx1"/>
+          </a:fontRef>
+        </p:style>
+      </p:cxnSp>
+      <p:sp>
+        <p:nvSpPr>
+          <p:cNvPr id="27" name="角丸四角形 26"/>
+          <p:cNvSpPr/>
+          <p:nvPr/>
+        </p:nvSpPr>
+        <p:spPr>
+          <a:xfrm>
+            <a:off x="1351139" y="3655660"/>
+            <a:ext cx="2287412" cy="823660"/>
+          </a:xfrm>
+          <a:prstGeom prst="roundRect">
+            <a:avLst/>
+          </a:prstGeom>
+        </p:spPr>
+        <p:style>
+          <a:lnRef idx="2">
+            <a:schemeClr val="accent6"/>
+          </a:lnRef>
+          <a:fillRef idx="1">
+            <a:schemeClr val="lt1"/>
+          </a:fillRef>
+          <a:effectRef idx="0">
+            <a:schemeClr val="accent6"/>
+          </a:effectRef>
+          <a:fontRef idx="minor">
+            <a:schemeClr val="dk1"/>
+          </a:fontRef>
+        </p:style>
+        <p:txBody>
+          <a:bodyPr rtlCol="0" anchor="t"/>
+          <a:lstStyle/>
+          <a:p>
+            <a:pPr lvl="1"/>
+            <a:r>
+              <a:rPr lang="en-US" altLang="ja-JP" sz="2000" smtClean="0"/>
+              <a:t>ScoreText</a:t>
+            </a:r>
+          </a:p>
+          <a:p>
+            <a:pPr lvl="1"/>
+            <a:r>
+              <a:rPr lang="ja-JP" altLang="en-US" sz="2000" smtClean="0"/>
+              <a:t>オブジェクト</a:t>
+            </a:r>
+            <a:endParaRPr lang="en-US" altLang="ja-JP" sz="2000" smtClean="0"/>
+          </a:p>
+        </p:txBody>
+      </p:sp>
+      <p:cxnSp>
+        <p:nvCxnSpPr>
+          <p:cNvPr id="30" name="曲線コネクタ 29"/>
+          <p:cNvCxnSpPr>
+            <a:stCxn id="27" idx="2"/>
+            <a:endCxn id="17" idx="2"/>
+          </p:cNvCxnSpPr>
+          <p:nvPr/>
+        </p:nvCxnSpPr>
+        <p:spPr>
+          <a:xfrm rot="5400000" flipH="1" flipV="1">
+            <a:off x="5584311" y="1157050"/>
+            <a:ext cx="232804" cy="6411736"/>
+          </a:xfrm>
+          <a:prstGeom prst="curvedConnector3">
+            <a:avLst>
+              <a:gd name="adj1" fmla="val -98194"/>
+            </a:avLst>
+          </a:prstGeom>
+          <a:ln w="38100">
+            <a:headEnd type="none" w="med" len="med"/>
+            <a:tailEnd type="arrow" w="med" len="med"/>
+          </a:ln>
+        </p:spPr>
+        <p:style>
+          <a:lnRef idx="3">
+            <a:schemeClr val="accent1"/>
+          </a:lnRef>
+          <a:fillRef idx="0">
+            <a:schemeClr val="accent1"/>
+          </a:fillRef>
+          <a:effectRef idx="2">
+            <a:schemeClr val="accent1"/>
+          </a:effectRef>
+          <a:fontRef idx="minor">
+            <a:schemeClr val="tx1"/>
+          </a:fontRef>
+        </p:style>
+      </p:cxnSp>
+      <p:sp>
+        <p:nvSpPr>
+          <p:cNvPr id="3" name="上下矢印 2"/>
+          <p:cNvSpPr/>
+          <p:nvPr/>
+        </p:nvSpPr>
+        <p:spPr>
+          <a:xfrm>
+            <a:off x="9315450" y="2281041"/>
+            <a:ext cx="736600" cy="1287423"/>
+          </a:xfrm>
+          <a:prstGeom prst="upDownArrow">
+            <a:avLst/>
+          </a:prstGeom>
+          <a:effectLst>
+            <a:outerShdw blurRad="50800" dist="38100" dir="2700000" algn="tl" rotWithShape="0">
+              <a:prstClr val="black">
+                <a:alpha val="40000"/>
+              </a:prstClr>
+            </a:outerShdw>
+          </a:effectLst>
+        </p:spPr>
+        <p:style>
+          <a:lnRef idx="2">
+            <a:schemeClr val="accent4">
+              <a:shade val="50000"/>
+            </a:schemeClr>
+          </a:lnRef>
+          <a:fillRef idx="1">
+            <a:schemeClr val="accent4"/>
+          </a:fillRef>
+          <a:effectRef idx="0">
+            <a:schemeClr val="accent4"/>
+          </a:effectRef>
+          <a:fontRef idx="minor">
+            <a:schemeClr val="lt1"/>
+          </a:fontRef>
+        </p:style>
+        <p:txBody>
+          <a:bodyPr rtlCol="0" anchor="ctr"/>
+          <a:lstStyle/>
+          <a:p>
+            <a:pPr algn="ctr"/>
+            <a:endParaRPr kumimoji="1" lang="ja-JP" altLang="en-US"/>
+          </a:p>
+        </p:txBody>
+      </p:sp>
+      <p:sp>
+        <p:nvSpPr>
+          <p:cNvPr id="4" name="テキスト ボックス 3"/>
+          <p:cNvSpPr txBox="1"/>
+          <p:nvPr/>
+        </p:nvSpPr>
+        <p:spPr>
+          <a:xfrm>
+            <a:off x="8305800" y="2724490"/>
+            <a:ext cx="2832100" cy="461665"/>
+          </a:xfrm>
+          <a:prstGeom prst="rect">
+            <a:avLst/>
+          </a:prstGeom>
+          <a:noFill/>
+        </p:spPr>
+        <p:txBody>
+          <a:bodyPr wrap="square" rtlCol="0">
+            <a:spAutoFit/>
+          </a:bodyPr>
+          <a:lstStyle/>
+          <a:p>
+            <a:r>
+              <a:rPr kumimoji="1" lang="ja-JP" altLang="en-US" sz="2400" smtClean="0">
+                <a:solidFill>
+                  <a:srgbClr val="FF0000"/>
+                </a:solidFill>
+                <a:effectLst>
+                  <a:outerShdw blurRad="38100" dist="38100" dir="2700000" algn="tl">
+                    <a:srgbClr val="000000">
+                      <a:alpha val="43137"/>
+                    </a:srgbClr>
+                  </a:outerShdw>
+                </a:effectLst>
+              </a:rPr>
+              <a:t>同じスクリプトを利用</a:t>
+            </a:r>
+            <a:endParaRPr kumimoji="1" lang="ja-JP" altLang="en-US" sz="2400">
+              <a:solidFill>
+                <a:srgbClr val="FF0000"/>
+              </a:solidFill>
+              <a:effectLst>
+                <a:outerShdw blurRad="38100" dist="38100" dir="2700000" algn="tl">
+                  <a:srgbClr val="000000">
+                    <a:alpha val="43137"/>
+                  </a:srgbClr>
+                </a:outerShdw>
+              </a:effectLst>
+            </a:endParaRPr>
+          </a:p>
+        </p:txBody>
+      </p:sp>
+    </p:spTree>
+    <p:extLst>
+      <p:ext uri="{BB962C8B-B14F-4D97-AF65-F5344CB8AC3E}">
+        <p14:creationId xmlns:p14="http://schemas.microsoft.com/office/powerpoint/2010/main" val="1047739041"/>
+      </p:ext>
+    </p:extLst>
+  </p:cSld>
+  <p:clrMapOvr>
+    <a:masterClrMapping/>
+  </p:clrMapOvr>
+</p:sld>
+</file>
+
+<file path=ppt/slides/slide11.xml><?xml version="1.0" encoding="utf-8"?>
+<p:sld xmlns:a="http://schemas.openxmlformats.org/drawingml/2006/main" xmlns:r="http://schemas.openxmlformats.org/officeDocument/2006/relationships" xmlns:p="http://schemas.openxmlformats.org/presentationml/2006/main">
+  <p:cSld>
+    <p:spTree>
+      <p:nvGrpSpPr>
+        <p:cNvPr id="1" name=""/>
+        <p:cNvGrpSpPr/>
+        <p:nvPr/>
+      </p:nvGrpSpPr>
+      <p:grpSpPr>
+        <a:xfrm>
+          <a:off x="0" y="0"/>
+          <a:ext cx="0" cy="0"/>
+          <a:chOff x="0" y="0"/>
+          <a:chExt cx="0" cy="0"/>
+        </a:xfrm>
+      </p:grpSpPr>
+      <p:sp>
+        <p:nvSpPr>
+          <p:cNvPr id="2" name="タイトル 1"/>
+          <p:cNvSpPr>
+            <a:spLocks noGrp="1"/>
+          </p:cNvSpPr>
+          <p:nvPr>
+            <p:ph type="title"/>
+          </p:nvPr>
+        </p:nvSpPr>
+        <p:spPr/>
+        <p:txBody>
+          <a:bodyPr/>
+          <a:lstStyle/>
+          <a:p>
+            <a:r>
+              <a:rPr kumimoji="1" lang="ja-JP" altLang="en-US" smtClean="0"/>
+              <a:t>全体の構造</a:t>
+            </a:r>
+            <a:r>
+              <a:rPr kumimoji="1" lang="en-US" altLang="ja-JP" smtClean="0"/>
+              <a:t>(</a:t>
+            </a:r>
+            <a:r>
               <a:rPr lang="ja-JP" altLang="en-US" smtClean="0"/>
               <a:t>シーン</a:t>
             </a:r>
@@ -4327,7 +5000,7 @@
 </p:sld>
 </file>
 
-<file path=ppt/slides/slide11.xml><?xml version="1.0" encoding="utf-8"?>
+<file path=ppt/slides/slide12.xml><?xml version="1.0" encoding="utf-8"?>
 <p:sld xmlns:a="http://schemas.openxmlformats.org/drawingml/2006/main" xmlns:r="http://schemas.openxmlformats.org/officeDocument/2006/relationships" xmlns:p="http://schemas.openxmlformats.org/presentationml/2006/main">
   <p:cSld>
     <p:spTree>
@@ -4516,6 +5189,804 @@
       </p:grpSpPr>
       <p:sp>
         <p:nvSpPr>
+          <p:cNvPr id="4" name="タイトル 3"/>
+          <p:cNvSpPr>
+            <a:spLocks noGrp="1"/>
+          </p:cNvSpPr>
+          <p:nvPr>
+            <p:ph type="title"/>
+          </p:nvPr>
+        </p:nvSpPr>
+        <p:spPr/>
+        <p:txBody>
+          <a:bodyPr>
+            <a:normAutofit/>
+          </a:bodyPr>
+          <a:lstStyle/>
+          <a:p>
+            <a:r>
+              <a:rPr kumimoji="1" lang="ja-JP" altLang="en-US" smtClean="0"/>
+              <a:t>状態遷移</a:t>
+            </a:r>
+            <a:r>
+              <a:rPr kumimoji="1" lang="en-US" altLang="ja-JP" smtClean="0"/>
+              <a:t>(</a:t>
+            </a:r>
+            <a:r>
+              <a:rPr lang="ja-JP" altLang="en-US" smtClean="0"/>
+              <a:t>じょうたいせんい</a:t>
+            </a:r>
+            <a:r>
+              <a:rPr lang="en-US" altLang="ja-JP" smtClean="0"/>
+              <a:t>)</a:t>
+            </a:r>
+            <a:endParaRPr kumimoji="1" lang="ja-JP" altLang="en-US" dirty="0"/>
+          </a:p>
+        </p:txBody>
+      </p:sp>
+      <p:sp>
+        <p:nvSpPr>
+          <p:cNvPr id="2" name="コンテンツ プレースホルダー 1"/>
+          <p:cNvSpPr>
+            <a:spLocks noGrp="1"/>
+          </p:cNvSpPr>
+          <p:nvPr>
+            <p:ph idx="1"/>
+          </p:nvPr>
+        </p:nvSpPr>
+        <p:spPr>
+          <a:xfrm>
+            <a:off x="838200" y="759912"/>
+            <a:ext cx="10515600" cy="5563325"/>
+          </a:xfrm>
+        </p:spPr>
+        <p:txBody>
+          <a:bodyPr/>
+          <a:lstStyle/>
+          <a:p>
+            <a:r>
+              <a:rPr kumimoji="1" lang="ja-JP" altLang="en-US" smtClean="0"/>
+              <a:t>アプリケーションやゲームは、状態で分けて管理</a:t>
+            </a:r>
+            <a:r>
+              <a:rPr lang="ja-JP" altLang="en-US"/>
+              <a:t>す</a:t>
+            </a:r>
+            <a:r>
+              <a:rPr kumimoji="1" lang="ja-JP" altLang="en-US" smtClean="0"/>
+              <a:t>ると楽！</a:t>
+            </a:r>
+            <a:endParaRPr kumimoji="1" lang="en-US" altLang="ja-JP" smtClean="0"/>
+          </a:p>
+          <a:p>
+            <a:endParaRPr kumimoji="1" lang="ja-JP" altLang="en-US"/>
+          </a:p>
+        </p:txBody>
+      </p:sp>
+      <p:sp>
+        <p:nvSpPr>
+          <p:cNvPr id="3" name="角丸四角形 2"/>
+          <p:cNvSpPr/>
+          <p:nvPr/>
+        </p:nvSpPr>
+        <p:spPr>
+          <a:xfrm>
+            <a:off x="695400" y="1268760"/>
+            <a:ext cx="3888432" cy="4896544"/>
+          </a:xfrm>
+          <a:prstGeom prst="roundRect">
+            <a:avLst/>
+          </a:prstGeom>
+          <a:ln w="38100"/>
+        </p:spPr>
+        <p:style>
+          <a:lnRef idx="2">
+            <a:schemeClr val="accent2"/>
+          </a:lnRef>
+          <a:fillRef idx="1">
+            <a:schemeClr val="lt1"/>
+          </a:fillRef>
+          <a:effectRef idx="0">
+            <a:schemeClr val="accent2"/>
+          </a:effectRef>
+          <a:fontRef idx="minor">
+            <a:schemeClr val="dk1"/>
+          </a:fontRef>
+        </p:style>
+        <p:txBody>
+          <a:bodyPr rtlCol="0" anchor="ctr"/>
+          <a:lstStyle/>
+          <a:p>
+            <a:pPr algn="ctr"/>
+            <a:endParaRPr kumimoji="1" lang="ja-JP" altLang="en-US"/>
+          </a:p>
+        </p:txBody>
+      </p:sp>
+      <p:sp>
+        <p:nvSpPr>
+          <p:cNvPr id="6" name="テキスト ボックス 5"/>
+          <p:cNvSpPr txBox="1"/>
+          <p:nvPr/>
+        </p:nvSpPr>
+        <p:spPr>
+          <a:xfrm>
+            <a:off x="1415480" y="1412776"/>
+            <a:ext cx="2448272" cy="369332"/>
+          </a:xfrm>
+          <a:prstGeom prst="rect">
+            <a:avLst/>
+          </a:prstGeom>
+          <a:noFill/>
+          <a:ln>
+            <a:solidFill>
+              <a:schemeClr val="tx1"/>
+            </a:solidFill>
+          </a:ln>
+        </p:spPr>
+        <p:txBody>
+          <a:bodyPr wrap="square" rtlCol="0">
+            <a:spAutoFit/>
+          </a:bodyPr>
+          <a:lstStyle/>
+          <a:p>
+            <a:r>
+              <a:rPr kumimoji="1" lang="ja-JP" altLang="en-US" smtClean="0"/>
+              <a:t>タイトルの表示</a:t>
+            </a:r>
+            <a:r>
+              <a:rPr kumimoji="1" lang="en-US" altLang="ja-JP" smtClean="0"/>
+              <a:t>/</a:t>
+            </a:r>
+            <a:r>
+              <a:rPr kumimoji="1" lang="ja-JP" altLang="en-US" smtClean="0"/>
+              <a:t>非表示</a:t>
+            </a:r>
+            <a:endParaRPr kumimoji="1" lang="ja-JP" altLang="en-US"/>
+          </a:p>
+        </p:txBody>
+      </p:sp>
+      <p:sp>
+        <p:nvSpPr>
+          <p:cNvPr id="7" name="テキスト ボックス 6"/>
+          <p:cNvSpPr txBox="1"/>
+          <p:nvPr/>
+        </p:nvSpPr>
+        <p:spPr>
+          <a:xfrm>
+            <a:off x="1415480" y="2689892"/>
+            <a:ext cx="2448272" cy="1477328"/>
+          </a:xfrm>
+          <a:prstGeom prst="rect">
+            <a:avLst/>
+          </a:prstGeom>
+          <a:noFill/>
+          <a:ln>
+            <a:solidFill>
+              <a:schemeClr val="tx1"/>
+            </a:solidFill>
+          </a:ln>
+        </p:spPr>
+        <p:txBody>
+          <a:bodyPr wrap="square" rtlCol="0">
+            <a:spAutoFit/>
+          </a:bodyPr>
+          <a:lstStyle/>
+          <a:p>
+            <a:r>
+              <a:rPr lang="ja-JP" altLang="en-US" smtClean="0"/>
+              <a:t>キー判定</a:t>
+            </a:r>
+            <a:endParaRPr lang="en-US" altLang="ja-JP" smtClean="0"/>
+          </a:p>
+          <a:p>
+            <a:r>
+              <a:rPr kumimoji="1" lang="ja-JP" altLang="en-US" smtClean="0"/>
+              <a:t>・タイトル用</a:t>
+            </a:r>
+            <a:endParaRPr kumimoji="1" lang="en-US" altLang="ja-JP" smtClean="0"/>
+          </a:p>
+          <a:p>
+            <a:r>
+              <a:rPr lang="ja-JP" altLang="en-US" smtClean="0"/>
+              <a:t>・ゲーム用</a:t>
+            </a:r>
+            <a:endParaRPr lang="en-US" altLang="ja-JP" smtClean="0"/>
+          </a:p>
+          <a:p>
+            <a:r>
+              <a:rPr kumimoji="1" lang="ja-JP" altLang="en-US" smtClean="0"/>
+              <a:t>・ゲームオーバー用</a:t>
+            </a:r>
+            <a:endParaRPr kumimoji="1" lang="en-US" altLang="ja-JP" smtClean="0"/>
+          </a:p>
+          <a:p>
+            <a:r>
+              <a:rPr lang="ja-JP" altLang="en-US" smtClean="0"/>
+              <a:t>・クリア用</a:t>
+            </a:r>
+            <a:endParaRPr kumimoji="1" lang="ja-JP" altLang="en-US"/>
+          </a:p>
+        </p:txBody>
+      </p:sp>
+      <p:sp>
+        <p:nvSpPr>
+          <p:cNvPr id="9" name="テキスト ボックス 8"/>
+          <p:cNvSpPr txBox="1"/>
+          <p:nvPr/>
+        </p:nvSpPr>
+        <p:spPr>
+          <a:xfrm>
+            <a:off x="1262212" y="2064943"/>
+            <a:ext cx="2754808" cy="369332"/>
+          </a:xfrm>
+          <a:prstGeom prst="rect">
+            <a:avLst/>
+          </a:prstGeom>
+          <a:noFill/>
+          <a:ln>
+            <a:solidFill>
+              <a:schemeClr val="tx1"/>
+            </a:solidFill>
+          </a:ln>
+        </p:spPr>
+        <p:txBody>
+          <a:bodyPr wrap="square" rtlCol="0">
+            <a:spAutoFit/>
+          </a:bodyPr>
+          <a:lstStyle/>
+          <a:p>
+            <a:r>
+              <a:rPr lang="ja-JP" altLang="en-US"/>
+              <a:t>ゲーム</a:t>
+            </a:r>
+            <a:r>
+              <a:rPr lang="ja-JP" altLang="en-US" smtClean="0"/>
+              <a:t>を始めるための準備</a:t>
+            </a:r>
+            <a:endParaRPr kumimoji="1" lang="ja-JP" altLang="en-US"/>
+          </a:p>
+        </p:txBody>
+      </p:sp>
+      <p:sp>
+        <p:nvSpPr>
+          <p:cNvPr id="10" name="テキスト ボックス 9"/>
+          <p:cNvSpPr txBox="1"/>
+          <p:nvPr/>
+        </p:nvSpPr>
+        <p:spPr>
+          <a:xfrm>
+            <a:off x="1121830" y="4380426"/>
+            <a:ext cx="3035572" cy="369332"/>
+          </a:xfrm>
+          <a:prstGeom prst="rect">
+            <a:avLst/>
+          </a:prstGeom>
+          <a:noFill/>
+          <a:ln>
+            <a:solidFill>
+              <a:schemeClr val="tx1"/>
+            </a:solidFill>
+          </a:ln>
+        </p:spPr>
+        <p:txBody>
+          <a:bodyPr wrap="square" rtlCol="0">
+            <a:spAutoFit/>
+          </a:bodyPr>
+          <a:lstStyle/>
+          <a:p>
+            <a:r>
+              <a:rPr kumimoji="1" lang="ja-JP" altLang="en-US" smtClean="0"/>
+              <a:t>ゲーム中なら当たり判定</a:t>
+            </a:r>
+            <a:endParaRPr kumimoji="1" lang="ja-JP" altLang="en-US"/>
+          </a:p>
+        </p:txBody>
+      </p:sp>
+      <p:sp>
+        <p:nvSpPr>
+          <p:cNvPr id="11" name="テキスト ボックス 10"/>
+          <p:cNvSpPr txBox="1"/>
+          <p:nvPr/>
+        </p:nvSpPr>
+        <p:spPr>
+          <a:xfrm>
+            <a:off x="1121830" y="4890338"/>
+            <a:ext cx="3035572" cy="369332"/>
+          </a:xfrm>
+          <a:prstGeom prst="rect">
+            <a:avLst/>
+          </a:prstGeom>
+          <a:noFill/>
+          <a:ln>
+            <a:solidFill>
+              <a:schemeClr val="tx1"/>
+            </a:solidFill>
+          </a:ln>
+        </p:spPr>
+        <p:txBody>
+          <a:bodyPr wrap="square" rtlCol="0">
+            <a:spAutoFit/>
+          </a:bodyPr>
+          <a:lstStyle/>
+          <a:p>
+            <a:r>
+              <a:rPr kumimoji="1" lang="ja-JP" altLang="en-US" smtClean="0"/>
+              <a:t>ゲーム中ならスコア管理</a:t>
+            </a:r>
+            <a:endParaRPr kumimoji="1" lang="ja-JP" altLang="en-US"/>
+          </a:p>
+        </p:txBody>
+      </p:sp>
+      <p:sp>
+        <p:nvSpPr>
+          <p:cNvPr id="12" name="テキスト ボックス 11"/>
+          <p:cNvSpPr txBox="1"/>
+          <p:nvPr/>
+        </p:nvSpPr>
+        <p:spPr>
+          <a:xfrm>
+            <a:off x="1121830" y="5441507"/>
+            <a:ext cx="3035572" cy="369332"/>
+          </a:xfrm>
+          <a:prstGeom prst="rect">
+            <a:avLst/>
+          </a:prstGeom>
+          <a:noFill/>
+          <a:ln>
+            <a:solidFill>
+              <a:schemeClr val="tx1"/>
+            </a:solidFill>
+          </a:ln>
+        </p:spPr>
+        <p:txBody>
+          <a:bodyPr wrap="square" rtlCol="0">
+            <a:spAutoFit/>
+          </a:bodyPr>
+          <a:lstStyle/>
+          <a:p>
+            <a:pPr algn="ctr"/>
+            <a:r>
+              <a:rPr kumimoji="1" lang="ja-JP" altLang="en-US" smtClean="0"/>
+              <a:t>・・・</a:t>
+            </a:r>
+            <a:endParaRPr kumimoji="1" lang="ja-JP" altLang="en-US"/>
+          </a:p>
+        </p:txBody>
+      </p:sp>
+      <p:sp>
+        <p:nvSpPr>
+          <p:cNvPr id="13" name="テキスト ボックス 12"/>
+          <p:cNvSpPr txBox="1"/>
+          <p:nvPr/>
+        </p:nvSpPr>
+        <p:spPr>
+          <a:xfrm>
+            <a:off x="515380" y="6165304"/>
+            <a:ext cx="4248472" cy="646331"/>
+          </a:xfrm>
+          <a:prstGeom prst="rect">
+            <a:avLst/>
+          </a:prstGeom>
+          <a:noFill/>
+        </p:spPr>
+        <p:txBody>
+          <a:bodyPr wrap="square" rtlCol="0">
+            <a:spAutoFit/>
+          </a:bodyPr>
+          <a:lstStyle/>
+          <a:p>
+            <a:r>
+              <a:rPr kumimoji="1" lang="ja-JP" altLang="en-US" smtClean="0"/>
+              <a:t>構造は</a:t>
+            </a:r>
+            <a:r>
+              <a:rPr lang="ja-JP" altLang="en-US" smtClean="0"/>
+              <a:t>簡単だが、どこに何があるか分からなくなり、管理が大変でバグの元になる</a:t>
+            </a:r>
+            <a:endParaRPr kumimoji="1" lang="ja-JP" altLang="en-US"/>
+          </a:p>
+        </p:txBody>
+      </p:sp>
+      <p:sp>
+        <p:nvSpPr>
+          <p:cNvPr id="14" name="角丸四角形 13"/>
+          <p:cNvSpPr/>
+          <p:nvPr/>
+        </p:nvSpPr>
+        <p:spPr>
+          <a:xfrm>
+            <a:off x="5007844" y="1268760"/>
+            <a:ext cx="6488756" cy="4896544"/>
+          </a:xfrm>
+          <a:prstGeom prst="roundRect">
+            <a:avLst/>
+          </a:prstGeom>
+          <a:ln w="38100"/>
+        </p:spPr>
+        <p:style>
+          <a:lnRef idx="2">
+            <a:schemeClr val="accent2"/>
+          </a:lnRef>
+          <a:fillRef idx="1">
+            <a:schemeClr val="lt1"/>
+          </a:fillRef>
+          <a:effectRef idx="0">
+            <a:schemeClr val="accent2"/>
+          </a:effectRef>
+          <a:fontRef idx="minor">
+            <a:schemeClr val="dk1"/>
+          </a:fontRef>
+        </p:style>
+        <p:txBody>
+          <a:bodyPr rtlCol="0" anchor="ctr"/>
+          <a:lstStyle/>
+          <a:p>
+            <a:pPr algn="ctr"/>
+            <a:endParaRPr kumimoji="1" lang="ja-JP" altLang="en-US"/>
+          </a:p>
+        </p:txBody>
+      </p:sp>
+      <p:sp>
+        <p:nvSpPr>
+          <p:cNvPr id="15" name="角丸四角形 14"/>
+          <p:cNvSpPr/>
+          <p:nvPr/>
+        </p:nvSpPr>
+        <p:spPr>
+          <a:xfrm>
+            <a:off x="5447928" y="1412776"/>
+            <a:ext cx="5472608" cy="1381144"/>
+          </a:xfrm>
+          <a:prstGeom prst="roundRect">
+            <a:avLst/>
+          </a:prstGeom>
+          <a:ln w="38100">
+            <a:solidFill>
+              <a:schemeClr val="accent5"/>
+            </a:solidFill>
+          </a:ln>
+        </p:spPr>
+        <p:style>
+          <a:lnRef idx="2">
+            <a:schemeClr val="accent2"/>
+          </a:lnRef>
+          <a:fillRef idx="1">
+            <a:schemeClr val="lt1"/>
+          </a:fillRef>
+          <a:effectRef idx="0">
+            <a:schemeClr val="accent2"/>
+          </a:effectRef>
+          <a:fontRef idx="minor">
+            <a:schemeClr val="dk1"/>
+          </a:fontRef>
+        </p:style>
+        <p:txBody>
+          <a:bodyPr rtlCol="0" anchor="t"/>
+          <a:lstStyle/>
+          <a:p>
+            <a:pPr algn="ctr"/>
+            <a:r>
+              <a:rPr kumimoji="1" lang="ja-JP" altLang="en-US" smtClean="0"/>
+              <a:t>タイトルシーン</a:t>
+            </a:r>
+            <a:endParaRPr kumimoji="1" lang="en-US" altLang="ja-JP" smtClean="0"/>
+          </a:p>
+          <a:p>
+            <a:pPr marL="285750" indent="-285750">
+              <a:buFont typeface="Arial" panose="020B0604020202020204" pitchFamily="34" charset="0"/>
+              <a:buChar char="•"/>
+            </a:pPr>
+            <a:r>
+              <a:rPr lang="ja-JP" altLang="en-US" smtClean="0"/>
+              <a:t>初期化：タイトルを表示</a:t>
+            </a:r>
+            <a:endParaRPr lang="en-US" altLang="ja-JP" smtClean="0"/>
+          </a:p>
+          <a:p>
+            <a:pPr marL="285750" indent="-285750">
+              <a:buFont typeface="Arial" panose="020B0604020202020204" pitchFamily="34" charset="0"/>
+              <a:buChar char="•"/>
+            </a:pPr>
+            <a:r>
+              <a:rPr kumimoji="1" lang="ja-JP" altLang="en-US" smtClean="0"/>
+              <a:t>更新：キーが押されたらゲームシーンへ</a:t>
+            </a:r>
+            <a:endParaRPr kumimoji="1" lang="en-US" altLang="ja-JP" smtClean="0"/>
+          </a:p>
+          <a:p>
+            <a:pPr marL="285750" indent="-285750">
+              <a:buFont typeface="Arial" panose="020B0604020202020204" pitchFamily="34" charset="0"/>
+              <a:buChar char="•"/>
+            </a:pPr>
+            <a:r>
+              <a:rPr lang="ja-JP" altLang="en-US" smtClean="0"/>
+              <a:t>解放：タイトルを消す</a:t>
+            </a:r>
+            <a:endParaRPr kumimoji="1" lang="ja-JP" altLang="en-US"/>
+          </a:p>
+        </p:txBody>
+      </p:sp>
+      <p:sp>
+        <p:nvSpPr>
+          <p:cNvPr id="16" name="角丸四角形 15"/>
+          <p:cNvSpPr/>
+          <p:nvPr/>
+        </p:nvSpPr>
+        <p:spPr>
+          <a:xfrm>
+            <a:off x="5447928" y="2989637"/>
+            <a:ext cx="5472608" cy="1381144"/>
+          </a:xfrm>
+          <a:prstGeom prst="roundRect">
+            <a:avLst/>
+          </a:prstGeom>
+          <a:ln w="38100">
+            <a:solidFill>
+              <a:schemeClr val="accent5"/>
+            </a:solidFill>
+          </a:ln>
+        </p:spPr>
+        <p:style>
+          <a:lnRef idx="2">
+            <a:schemeClr val="accent2"/>
+          </a:lnRef>
+          <a:fillRef idx="1">
+            <a:schemeClr val="lt1"/>
+          </a:fillRef>
+          <a:effectRef idx="0">
+            <a:schemeClr val="accent2"/>
+          </a:effectRef>
+          <a:fontRef idx="minor">
+            <a:schemeClr val="dk1"/>
+          </a:fontRef>
+        </p:style>
+        <p:txBody>
+          <a:bodyPr rtlCol="0" anchor="t"/>
+          <a:lstStyle/>
+          <a:p>
+            <a:pPr algn="ctr"/>
+            <a:r>
+              <a:rPr kumimoji="1" lang="ja-JP" altLang="en-US" smtClean="0"/>
+              <a:t>ゲームシーン</a:t>
+            </a:r>
+            <a:endParaRPr kumimoji="1" lang="en-US" altLang="ja-JP" smtClean="0"/>
+          </a:p>
+          <a:p>
+            <a:pPr marL="285750" indent="-285750">
+              <a:buFont typeface="Arial" panose="020B0604020202020204" pitchFamily="34" charset="0"/>
+              <a:buChar char="•"/>
+            </a:pPr>
+            <a:r>
+              <a:rPr lang="ja-JP" altLang="en-US" smtClean="0"/>
+              <a:t>初期化：スコアやライフ、キャラクターの配置など</a:t>
+            </a:r>
+            <a:endParaRPr lang="en-US" altLang="ja-JP" smtClean="0"/>
+          </a:p>
+          <a:p>
+            <a:pPr marL="285750" indent="-285750">
+              <a:buFont typeface="Arial" panose="020B0604020202020204" pitchFamily="34" charset="0"/>
+              <a:buChar char="•"/>
+            </a:pPr>
+            <a:r>
+              <a:rPr kumimoji="1" lang="ja-JP" altLang="en-US" smtClean="0"/>
+              <a:t>更新：プレイヤーの操作、敵の移動、当たり判定</a:t>
+            </a:r>
+            <a:endParaRPr kumimoji="1" lang="en-US" altLang="ja-JP" smtClean="0"/>
+          </a:p>
+          <a:p>
+            <a:pPr marL="285750" indent="-285750">
+              <a:buFont typeface="Arial" panose="020B0604020202020204" pitchFamily="34" charset="0"/>
+              <a:buChar char="•"/>
+            </a:pPr>
+            <a:r>
+              <a:rPr lang="ja-JP" altLang="en-US" smtClean="0"/>
+              <a:t>解放：キャラクターの動きを無効化</a:t>
+            </a:r>
+            <a:endParaRPr kumimoji="1" lang="ja-JP" altLang="en-US"/>
+          </a:p>
+        </p:txBody>
+      </p:sp>
+      <p:sp>
+        <p:nvSpPr>
+          <p:cNvPr id="17" name="角丸四角形 16"/>
+          <p:cNvSpPr/>
+          <p:nvPr/>
+        </p:nvSpPr>
+        <p:spPr>
+          <a:xfrm>
+            <a:off x="5414516" y="4621271"/>
+            <a:ext cx="5472608" cy="1381144"/>
+          </a:xfrm>
+          <a:prstGeom prst="roundRect">
+            <a:avLst/>
+          </a:prstGeom>
+          <a:ln w="38100">
+            <a:solidFill>
+              <a:schemeClr val="accent5"/>
+            </a:solidFill>
+          </a:ln>
+        </p:spPr>
+        <p:style>
+          <a:lnRef idx="2">
+            <a:schemeClr val="accent2"/>
+          </a:lnRef>
+          <a:fillRef idx="1">
+            <a:schemeClr val="lt1"/>
+          </a:fillRef>
+          <a:effectRef idx="0">
+            <a:schemeClr val="accent2"/>
+          </a:effectRef>
+          <a:fontRef idx="minor">
+            <a:schemeClr val="dk1"/>
+          </a:fontRef>
+        </p:style>
+        <p:txBody>
+          <a:bodyPr rtlCol="0" anchor="t"/>
+          <a:lstStyle/>
+          <a:p>
+            <a:pPr algn="ctr"/>
+            <a:r>
+              <a:rPr kumimoji="1" lang="ja-JP" altLang="en-US" smtClean="0"/>
+              <a:t>ゲームオーバーシーン</a:t>
+            </a:r>
+            <a:endParaRPr kumimoji="1" lang="en-US" altLang="ja-JP" smtClean="0"/>
+          </a:p>
+          <a:p>
+            <a:pPr marL="285750" indent="-285750">
+              <a:buFont typeface="Arial" panose="020B0604020202020204" pitchFamily="34" charset="0"/>
+              <a:buChar char="•"/>
+            </a:pPr>
+            <a:r>
+              <a:rPr lang="ja-JP" altLang="en-US" smtClean="0"/>
+              <a:t>初期化：ハイスコアの更新、ゲームオーバー表示</a:t>
+            </a:r>
+            <a:endParaRPr lang="en-US" altLang="ja-JP" smtClean="0"/>
+          </a:p>
+          <a:p>
+            <a:pPr marL="285750" indent="-285750">
+              <a:buFont typeface="Arial" panose="020B0604020202020204" pitchFamily="34" charset="0"/>
+              <a:buChar char="•"/>
+            </a:pPr>
+            <a:r>
+              <a:rPr kumimoji="1" lang="ja-JP" altLang="en-US" smtClean="0"/>
+              <a:t>更新：</a:t>
+            </a:r>
+            <a:r>
+              <a:rPr lang="ja-JP" altLang="en-US"/>
+              <a:t>キ</a:t>
+            </a:r>
+            <a:r>
+              <a:rPr lang="ja-JP" altLang="en-US" smtClean="0"/>
+              <a:t>ーが押されたらタイトルへ</a:t>
+            </a:r>
+            <a:endParaRPr kumimoji="1" lang="en-US" altLang="ja-JP" smtClean="0"/>
+          </a:p>
+          <a:p>
+            <a:pPr marL="285750" indent="-285750">
+              <a:buFont typeface="Arial" panose="020B0604020202020204" pitchFamily="34" charset="0"/>
+              <a:buChar char="•"/>
+            </a:pPr>
+            <a:r>
+              <a:rPr lang="ja-JP" altLang="en-US" smtClean="0"/>
+              <a:t>解放：ゲームオーバーやキャラクターを消す</a:t>
+            </a:r>
+            <a:endParaRPr kumimoji="1" lang="ja-JP" altLang="en-US"/>
+          </a:p>
+        </p:txBody>
+      </p:sp>
+      <p:sp>
+        <p:nvSpPr>
+          <p:cNvPr id="19" name="右矢印 18"/>
+          <p:cNvSpPr/>
+          <p:nvPr/>
+        </p:nvSpPr>
+        <p:spPr>
+          <a:xfrm>
+            <a:off x="4354872" y="3236919"/>
+            <a:ext cx="1046708" cy="1311465"/>
+          </a:xfrm>
+          <a:prstGeom prst="rightArrow">
+            <a:avLst/>
+          </a:prstGeom>
+        </p:spPr>
+        <p:style>
+          <a:lnRef idx="2">
+            <a:schemeClr val="accent1">
+              <a:shade val="50000"/>
+            </a:schemeClr>
+          </a:lnRef>
+          <a:fillRef idx="1">
+            <a:schemeClr val="accent1"/>
+          </a:fillRef>
+          <a:effectRef idx="0">
+            <a:schemeClr val="accent1"/>
+          </a:effectRef>
+          <a:fontRef idx="minor">
+            <a:schemeClr val="lt1"/>
+          </a:fontRef>
+        </p:style>
+        <p:txBody>
+          <a:bodyPr rtlCol="0" anchor="ctr"/>
+          <a:lstStyle/>
+          <a:p>
+            <a:pPr algn="ctr"/>
+            <a:endParaRPr kumimoji="1" lang="ja-JP" altLang="en-US"/>
+          </a:p>
+        </p:txBody>
+      </p:sp>
+      <p:sp>
+        <p:nvSpPr>
+          <p:cNvPr id="20" name="テキスト ボックス 19"/>
+          <p:cNvSpPr txBox="1"/>
+          <p:nvPr/>
+        </p:nvSpPr>
+        <p:spPr>
+          <a:xfrm>
+            <a:off x="6096000" y="6125317"/>
+            <a:ext cx="4248472" cy="646331"/>
+          </a:xfrm>
+          <a:prstGeom prst="rect">
+            <a:avLst/>
+          </a:prstGeom>
+          <a:noFill/>
+        </p:spPr>
+        <p:txBody>
+          <a:bodyPr wrap="square" rtlCol="0">
+            <a:spAutoFit/>
+          </a:bodyPr>
+          <a:lstStyle/>
+          <a:p>
+            <a:r>
+              <a:rPr lang="ja-JP" altLang="en-US"/>
+              <a:t>コード</a:t>
+            </a:r>
+            <a:r>
+              <a:rPr lang="ja-JP" altLang="en-US" smtClean="0"/>
+              <a:t>を分けて作業ができる。どこに何があって、何をするかが分かりやすい</a:t>
+            </a:r>
+            <a:endParaRPr kumimoji="1" lang="ja-JP" altLang="en-US"/>
+          </a:p>
+        </p:txBody>
+      </p:sp>
+    </p:spTree>
+    <p:extLst>
+      <p:ext uri="{BB962C8B-B14F-4D97-AF65-F5344CB8AC3E}">
+        <p14:creationId xmlns:p14="http://schemas.microsoft.com/office/powerpoint/2010/main" val="130724992"/>
+      </p:ext>
+    </p:extLst>
+  </p:cSld>
+  <p:clrMapOvr>
+    <a:masterClrMapping/>
+  </p:clrMapOvr>
+  <p:timing>
+    <p:tnLst>
+      <p:par>
+        <p:cTn id="1" dur="indefinite" restart="never" nodeType="tmRoot"/>
+      </p:par>
+    </p:tnLst>
+  </p:timing>
+</p:sld>
+</file>
+
+<file path=ppt/slides/slide3.xml><?xml version="1.0" encoding="utf-8"?>
+<p:sld xmlns:a="http://schemas.openxmlformats.org/drawingml/2006/main" xmlns:r="http://schemas.openxmlformats.org/officeDocument/2006/relationships" xmlns:p="http://schemas.openxmlformats.org/presentationml/2006/main">
+  <p:cSld>
+    <p:spTree>
+      <p:nvGrpSpPr>
+        <p:cNvPr id="1" name=""/>
+        <p:cNvGrpSpPr/>
+        <p:nvPr/>
+      </p:nvGrpSpPr>
+      <p:grpSpPr>
+        <a:xfrm>
+          <a:off x="0" y="0"/>
+          <a:ext cx="0" cy="0"/>
+          <a:chOff x="0" y="0"/>
+          <a:chExt cx="0" cy="0"/>
+        </a:xfrm>
+      </p:grpSpPr>
+      <p:sp>
+        <p:nvSpPr>
           <p:cNvPr id="2" name="タイトル 1"/>
           <p:cNvSpPr>
             <a:spLocks noGrp="1"/>
@@ -4535,11 +6006,7 @@
             </a:r>
             <a:r>
               <a:rPr lang="ja-JP" altLang="en-US" smtClean="0"/>
-              <a:t>はシーン（状態）を切り替えて</a:t>
-            </a:r>
-            <a:r>
-              <a:rPr lang="ja-JP" altLang="en-US" smtClean="0"/>
-              <a:t>動</a:t>
+              <a:t>はシーン（状態）を切り替えて動</a:t>
             </a:r>
             <a:r>
               <a:rPr lang="ja-JP" altLang="en-US"/>
@@ -5589,258 +7056,6 @@
     <p:extLst>
       <p:ext uri="{BB962C8B-B14F-4D97-AF65-F5344CB8AC3E}">
         <p14:creationId xmlns:p14="http://schemas.microsoft.com/office/powerpoint/2010/main" val="3539212752"/>
-      </p:ext>
-    </p:extLst>
-  </p:cSld>
-  <p:clrMapOvr>
-    <a:masterClrMapping/>
-  </p:clrMapOvr>
-</p:sld>
-</file>
-
-<file path=ppt/slides/slide3.xml><?xml version="1.0" encoding="utf-8"?>
-<p:sld xmlns:a="http://schemas.openxmlformats.org/drawingml/2006/main" xmlns:r="http://schemas.openxmlformats.org/officeDocument/2006/relationships" xmlns:p="http://schemas.openxmlformats.org/presentationml/2006/main">
-  <p:cSld>
-    <p:spTree>
-      <p:nvGrpSpPr>
-        <p:cNvPr id="1" name=""/>
-        <p:cNvGrpSpPr/>
-        <p:nvPr/>
-      </p:nvGrpSpPr>
-      <p:grpSpPr>
-        <a:xfrm>
-          <a:off x="0" y="0"/>
-          <a:ext cx="0" cy="0"/>
-          <a:chOff x="0" y="0"/>
-          <a:chExt cx="0" cy="0"/>
-        </a:xfrm>
-      </p:grpSpPr>
-      <p:sp>
-        <p:nvSpPr>
-          <p:cNvPr id="2" name="タイトル 1"/>
-          <p:cNvSpPr>
-            <a:spLocks noGrp="1"/>
-          </p:cNvSpPr>
-          <p:nvPr>
-            <p:ph type="title"/>
-          </p:nvPr>
-        </p:nvSpPr>
-        <p:spPr/>
-        <p:txBody>
-          <a:bodyPr/>
-          <a:lstStyle/>
-          <a:p>
-            <a:r>
-              <a:rPr lang="ja-JP" altLang="en-US" smtClean="0"/>
-              <a:t>シーン（状態）が変わる</a:t>
-            </a:r>
-            <a:r>
-              <a:rPr lang="ja-JP" altLang="en-US" smtClean="0"/>
-              <a:t>とは？</a:t>
-            </a:r>
-            <a:endParaRPr kumimoji="1" lang="ja-JP" altLang="en-US"/>
-          </a:p>
-        </p:txBody>
-      </p:sp>
-      <p:sp>
-        <p:nvSpPr>
-          <p:cNvPr id="3" name="コンテンツ プレースホルダー 2"/>
-          <p:cNvSpPr>
-            <a:spLocks noGrp="1"/>
-          </p:cNvSpPr>
-          <p:nvPr>
-            <p:ph idx="1"/>
-          </p:nvPr>
-        </p:nvSpPr>
-        <p:spPr>
-          <a:xfrm>
-            <a:off x="838200" y="1331865"/>
-            <a:ext cx="10515600" cy="5563325"/>
-          </a:xfrm>
-        </p:spPr>
-        <p:txBody>
-          <a:bodyPr/>
-          <a:lstStyle/>
-          <a:p>
-            <a:r>
-              <a:rPr kumimoji="1" lang="ja-JP" altLang="en-US" smtClean="0"/>
-              <a:t>画面のレイアウトが切り替わる</a:t>
-            </a:r>
-            <a:endParaRPr kumimoji="1" lang="en-US" altLang="ja-JP" smtClean="0"/>
-          </a:p>
-          <a:p>
-            <a:endParaRPr lang="en-US" altLang="ja-JP"/>
-          </a:p>
-          <a:p>
-            <a:endParaRPr kumimoji="1" lang="en-US" altLang="ja-JP" smtClean="0"/>
-          </a:p>
-          <a:p>
-            <a:endParaRPr kumimoji="1" lang="en-US" altLang="ja-JP" smtClean="0"/>
-          </a:p>
-          <a:p>
-            <a:endParaRPr kumimoji="1" lang="en-US" altLang="ja-JP" smtClean="0"/>
-          </a:p>
-          <a:p>
-            <a:r>
-              <a:rPr kumimoji="1" lang="ja-JP" altLang="en-US" smtClean="0"/>
-              <a:t>操作方法が切り替わる</a:t>
-            </a:r>
-            <a:endParaRPr kumimoji="1" lang="en-US" altLang="ja-JP" smtClean="0"/>
-          </a:p>
-          <a:p>
-            <a:pPr lvl="1"/>
-            <a:endParaRPr kumimoji="1" lang="ja-JP" altLang="en-US"/>
-          </a:p>
-        </p:txBody>
-      </p:sp>
-      <p:sp>
-        <p:nvSpPr>
-          <p:cNvPr id="4" name="角丸四角形 3"/>
-          <p:cNvSpPr/>
-          <p:nvPr/>
-        </p:nvSpPr>
-        <p:spPr>
-          <a:xfrm>
-            <a:off x="1140178" y="1882219"/>
-            <a:ext cx="10035822" cy="1365955"/>
-          </a:xfrm>
-          <a:prstGeom prst="roundRect">
-            <a:avLst/>
-          </a:prstGeom>
-          <a:solidFill>
-            <a:schemeClr val="accent4">
-              <a:lumMod val="20000"/>
-              <a:lumOff val="80000"/>
-            </a:schemeClr>
-          </a:solidFill>
-        </p:spPr>
-        <p:style>
-          <a:lnRef idx="1">
-            <a:schemeClr val="accent4"/>
-          </a:lnRef>
-          <a:fillRef idx="2">
-            <a:schemeClr val="accent4"/>
-          </a:fillRef>
-          <a:effectRef idx="1">
-            <a:schemeClr val="accent4"/>
-          </a:effectRef>
-          <a:fontRef idx="minor">
-            <a:schemeClr val="dk1"/>
-          </a:fontRef>
-        </p:style>
-        <p:txBody>
-          <a:bodyPr rtlCol="0" anchor="ctr"/>
-          <a:lstStyle/>
-          <a:p>
-            <a:pPr marL="742950" lvl="1" indent="-285750">
-              <a:buFont typeface="Wingdings" panose="05000000000000000000" pitchFamily="2" charset="2"/>
-              <a:buChar char="u"/>
-            </a:pPr>
-            <a:r>
-              <a:rPr lang="ja-JP" altLang="en-US" sz="2400" smtClean="0"/>
-              <a:t>タイトルロゴ</a:t>
-            </a:r>
-            <a:endParaRPr lang="en-US" altLang="ja-JP" sz="2400" smtClean="0"/>
-          </a:p>
-          <a:p>
-            <a:pPr marL="742950" lvl="1" indent="-285750">
-              <a:buFont typeface="Wingdings" panose="05000000000000000000" pitchFamily="2" charset="2"/>
-              <a:buChar char="u"/>
-            </a:pPr>
-            <a:r>
-              <a:rPr lang="ja-JP" altLang="en-US" sz="2400"/>
-              <a:t>ゲーム画面やスコア</a:t>
-            </a:r>
-            <a:endParaRPr lang="en-US" altLang="ja-JP" sz="2400"/>
-          </a:p>
-          <a:p>
-            <a:pPr marL="742950" lvl="1" indent="-285750">
-              <a:buFont typeface="Wingdings" panose="05000000000000000000" pitchFamily="2" charset="2"/>
-              <a:buChar char="u"/>
-            </a:pPr>
-            <a:r>
-              <a:rPr lang="ja-JP" altLang="en-US" sz="2400" smtClean="0"/>
-              <a:t>ゲームオーバー表示など</a:t>
-            </a:r>
-            <a:endParaRPr lang="en-US" altLang="ja-JP" sz="2400"/>
-          </a:p>
-        </p:txBody>
-      </p:sp>
-      <p:sp>
-        <p:nvSpPr>
-          <p:cNvPr id="5" name="角丸四角形 4"/>
-          <p:cNvSpPr/>
-          <p:nvPr/>
-        </p:nvSpPr>
-        <p:spPr>
-          <a:xfrm>
-            <a:off x="1157110" y="4427866"/>
-            <a:ext cx="10018890" cy="1365955"/>
-          </a:xfrm>
-          <a:prstGeom prst="roundRect">
-            <a:avLst/>
-          </a:prstGeom>
-          <a:solidFill>
-            <a:schemeClr val="accent4">
-              <a:lumMod val="20000"/>
-              <a:lumOff val="80000"/>
-            </a:schemeClr>
-          </a:solidFill>
-        </p:spPr>
-        <p:style>
-          <a:lnRef idx="1">
-            <a:schemeClr val="accent4"/>
-          </a:lnRef>
-          <a:fillRef idx="2">
-            <a:schemeClr val="accent4"/>
-          </a:fillRef>
-          <a:effectRef idx="1">
-            <a:schemeClr val="accent4"/>
-          </a:effectRef>
-          <a:fontRef idx="minor">
-            <a:schemeClr val="dk1"/>
-          </a:fontRef>
-        </p:style>
-        <p:txBody>
-          <a:bodyPr rtlCol="0" anchor="ctr"/>
-          <a:lstStyle/>
-          <a:p>
-            <a:pPr marL="742950" lvl="1" indent="-285750">
-              <a:buFont typeface="Wingdings" panose="05000000000000000000" pitchFamily="2" charset="2"/>
-              <a:buChar char="u"/>
-            </a:pPr>
-            <a:r>
-              <a:rPr lang="ja-JP" altLang="en-US" sz="2400" smtClean="0"/>
-              <a:t>マウスクリックでゲーム開始</a:t>
-            </a:r>
-          </a:p>
-          <a:p>
-            <a:pPr marL="742950" lvl="1" indent="-285750">
-              <a:buFont typeface="Wingdings" panose="05000000000000000000" pitchFamily="2" charset="2"/>
-              <a:buChar char="u"/>
-            </a:pPr>
-            <a:r>
-              <a:rPr lang="ja-JP" altLang="en-US" sz="2400" smtClean="0"/>
-              <a:t>マウス操作でキャラクター移動</a:t>
-            </a:r>
-          </a:p>
-          <a:p>
-            <a:pPr marL="742950" lvl="1" indent="-285750">
-              <a:buFont typeface="Wingdings" panose="05000000000000000000" pitchFamily="2" charset="2"/>
-              <a:buChar char="u"/>
-            </a:pPr>
-            <a:r>
-              <a:rPr lang="ja-JP" altLang="en-US" sz="2400" smtClean="0"/>
-              <a:t>マウスクリックでゲームオーバーからタイトル画面へ</a:t>
-            </a:r>
-            <a:endParaRPr lang="en-US" altLang="ja-JP" sz="2400"/>
-          </a:p>
-        </p:txBody>
-      </p:sp>
-    </p:spTree>
-    <p:extLst>
-      <p:ext uri="{BB962C8B-B14F-4D97-AF65-F5344CB8AC3E}">
-        <p14:creationId xmlns:p14="http://schemas.microsoft.com/office/powerpoint/2010/main" val="3232845173"/>
       </p:ext>
     </p:extLst>
   </p:cSld>
@@ -5884,11 +7099,7 @@
           <a:p>
             <a:r>
               <a:rPr lang="ja-JP" altLang="en-US" smtClean="0"/>
-              <a:t>シーン（状態）のお</a:t>
-            </a:r>
-            <a:r>
-              <a:rPr lang="ja-JP" altLang="en-US"/>
-              <a:t>約束</a:t>
+              <a:t>シーン（状態）が変わるとは？</a:t>
             </a:r>
             <a:endParaRPr kumimoji="1" lang="ja-JP" altLang="en-US"/>
           </a:p>
@@ -5904,60 +7115,195 @@
             <p:ph idx="1"/>
           </p:nvPr>
         </p:nvSpPr>
-        <p:spPr/>
-        <p:txBody>
-          <a:bodyPr anchor="ctr"/>
-          <a:lstStyle/>
-          <a:p>
-            <a:pPr>
+        <p:spPr>
+          <a:xfrm>
+            <a:off x="838200" y="1331865"/>
+            <a:ext cx="10515600" cy="5563325"/>
+          </a:xfrm>
+        </p:spPr>
+        <p:txBody>
+          <a:bodyPr/>
+          <a:lstStyle/>
+          <a:p>
+            <a:r>
+              <a:rPr kumimoji="1" lang="ja-JP" altLang="en-US" smtClean="0"/>
+              <a:t>画面のレイアウトが切り替わる</a:t>
+            </a:r>
+            <a:endParaRPr kumimoji="1" lang="en-US" altLang="ja-JP" smtClean="0"/>
+          </a:p>
+          <a:p>
+            <a:endParaRPr lang="en-US" altLang="ja-JP"/>
+          </a:p>
+          <a:p>
+            <a:endParaRPr kumimoji="1" lang="en-US" altLang="ja-JP" smtClean="0"/>
+          </a:p>
+          <a:p>
+            <a:endParaRPr kumimoji="1" lang="en-US" altLang="ja-JP" smtClean="0"/>
+          </a:p>
+          <a:p>
+            <a:endParaRPr kumimoji="1" lang="en-US" altLang="ja-JP" smtClean="0"/>
+          </a:p>
+          <a:p>
+            <a:r>
+              <a:rPr kumimoji="1" lang="ja-JP" altLang="en-US" smtClean="0"/>
+              <a:t>操作方法が切り替わる</a:t>
+            </a:r>
+            <a:endParaRPr kumimoji="1" lang="en-US" altLang="ja-JP" smtClean="0"/>
+          </a:p>
+          <a:p>
+            <a:pPr lvl="1"/>
+            <a:endParaRPr kumimoji="1" lang="ja-JP" altLang="en-US"/>
+          </a:p>
+        </p:txBody>
+      </p:sp>
+      <p:sp>
+        <p:nvSpPr>
+          <p:cNvPr id="4" name="角丸四角形 3"/>
+          <p:cNvSpPr/>
+          <p:nvPr/>
+        </p:nvSpPr>
+        <p:spPr>
+          <a:xfrm>
+            <a:off x="1140178" y="1882219"/>
+            <a:ext cx="10035822" cy="1365955"/>
+          </a:xfrm>
+          <a:prstGeom prst="roundRect">
+            <a:avLst/>
+          </a:prstGeom>
+          <a:solidFill>
+            <a:schemeClr val="accent4">
+              <a:lumMod val="20000"/>
+              <a:lumOff val="80000"/>
+            </a:schemeClr>
+          </a:solidFill>
+        </p:spPr>
+        <p:style>
+          <a:lnRef idx="1">
+            <a:schemeClr val="accent4"/>
+          </a:lnRef>
+          <a:fillRef idx="2">
+            <a:schemeClr val="accent4"/>
+          </a:fillRef>
+          <a:effectRef idx="1">
+            <a:schemeClr val="accent4"/>
+          </a:effectRef>
+          <a:fontRef idx="minor">
+            <a:schemeClr val="dk1"/>
+          </a:fontRef>
+        </p:style>
+        <p:txBody>
+          <a:bodyPr rtlCol="0" anchor="ctr"/>
+          <a:lstStyle/>
+          <a:p>
+            <a:pPr marL="742950" lvl="1" indent="-285750">
               <a:buFont typeface="Wingdings" panose="05000000000000000000" pitchFamily="2" charset="2"/>
               <a:buChar char="u"/>
             </a:pPr>
             <a:r>
-              <a:rPr lang="ja-JP" altLang="en-US"/>
-              <a:t>同時</a:t>
-            </a:r>
-            <a:r>
-              <a:rPr lang="ja-JP" altLang="en-US" smtClean="0"/>
-              <a:t>に、複数のシーン（状態）にならないようにする</a:t>
-            </a:r>
-            <a:endParaRPr lang="en-US" altLang="ja-JP" smtClean="0"/>
-          </a:p>
-          <a:p>
-            <a:pPr lvl="1"/>
-            <a:r>
-              <a:rPr lang="ja-JP" altLang="en-US"/>
-              <a:t>現在</a:t>
-            </a:r>
-            <a:r>
-              <a:rPr lang="ja-JP" altLang="en-US" smtClean="0"/>
-              <a:t>のシーンと、次のシーンを変数で持たせると便利</a:t>
-            </a:r>
-            <a:endParaRPr lang="en-US" altLang="ja-JP" smtClean="0"/>
-          </a:p>
-          <a:p>
-            <a:endParaRPr lang="en-US" altLang="ja-JP" smtClean="0"/>
-          </a:p>
-          <a:p>
-            <a:pPr>
+              <a:rPr lang="ja-JP" altLang="en-US" sz="2400" smtClean="0"/>
+              <a:t>タイトルロゴ</a:t>
+            </a:r>
+            <a:endParaRPr lang="en-US" altLang="ja-JP" sz="2400" smtClean="0"/>
+          </a:p>
+          <a:p>
+            <a:pPr marL="742950" lvl="1" indent="-285750">
               <a:buFont typeface="Wingdings" panose="05000000000000000000" pitchFamily="2" charset="2"/>
               <a:buChar char="u"/>
             </a:pPr>
             <a:r>
-              <a:rPr lang="ja-JP" altLang="en-US" smtClean="0"/>
-              <a:t>各シーンごとに、初期化、更新、破棄ができる仕組み</a:t>
-            </a:r>
-            <a:endParaRPr lang="en-US" altLang="ja-JP" smtClean="0"/>
-          </a:p>
-          <a:p>
-            <a:endParaRPr lang="en-US" altLang="ja-JP" smtClean="0"/>
+              <a:rPr lang="ja-JP" altLang="en-US" sz="2400"/>
+              <a:t>ゲーム画面やスコア</a:t>
+            </a:r>
+            <a:endParaRPr lang="en-US" altLang="ja-JP" sz="2400"/>
+          </a:p>
+          <a:p>
+            <a:pPr marL="742950" lvl="1" indent="-285750">
+              <a:buFont typeface="Wingdings" panose="05000000000000000000" pitchFamily="2" charset="2"/>
+              <a:buChar char="u"/>
+            </a:pPr>
+            <a:r>
+              <a:rPr lang="ja-JP" altLang="en-US" sz="2400" smtClean="0"/>
+              <a:t>ゲームオーバー表示など</a:t>
+            </a:r>
+            <a:endParaRPr lang="en-US" altLang="ja-JP" sz="2400"/>
+          </a:p>
+        </p:txBody>
+      </p:sp>
+      <p:sp>
+        <p:nvSpPr>
+          <p:cNvPr id="5" name="角丸四角形 4"/>
+          <p:cNvSpPr/>
+          <p:nvPr/>
+        </p:nvSpPr>
+        <p:spPr>
+          <a:xfrm>
+            <a:off x="1157110" y="4427866"/>
+            <a:ext cx="10018890" cy="1365955"/>
+          </a:xfrm>
+          <a:prstGeom prst="roundRect">
+            <a:avLst/>
+          </a:prstGeom>
+          <a:solidFill>
+            <a:schemeClr val="accent4">
+              <a:lumMod val="20000"/>
+              <a:lumOff val="80000"/>
+            </a:schemeClr>
+          </a:solidFill>
+        </p:spPr>
+        <p:style>
+          <a:lnRef idx="1">
+            <a:schemeClr val="accent4"/>
+          </a:lnRef>
+          <a:fillRef idx="2">
+            <a:schemeClr val="accent4"/>
+          </a:fillRef>
+          <a:effectRef idx="1">
+            <a:schemeClr val="accent4"/>
+          </a:effectRef>
+          <a:fontRef idx="minor">
+            <a:schemeClr val="dk1"/>
+          </a:fontRef>
+        </p:style>
+        <p:txBody>
+          <a:bodyPr rtlCol="0" anchor="ctr"/>
+          <a:lstStyle/>
+          <a:p>
+            <a:pPr marL="742950" lvl="1" indent="-285750">
+              <a:buFont typeface="Wingdings" panose="05000000000000000000" pitchFamily="2" charset="2"/>
+              <a:buChar char="u"/>
+            </a:pPr>
+            <a:r>
+              <a:rPr lang="ja-JP" altLang="en-US" sz="2400" smtClean="0"/>
+              <a:t>マウスクリックでゲーム開始</a:t>
+            </a:r>
+          </a:p>
+          <a:p>
+            <a:pPr marL="742950" lvl="1" indent="-285750">
+              <a:buFont typeface="Wingdings" panose="05000000000000000000" pitchFamily="2" charset="2"/>
+              <a:buChar char="u"/>
+            </a:pPr>
+            <a:r>
+              <a:rPr lang="ja-JP" altLang="en-US" sz="2400" smtClean="0"/>
+              <a:t>マウス操作でキャラクター移動</a:t>
+            </a:r>
+          </a:p>
+          <a:p>
+            <a:pPr marL="742950" lvl="1" indent="-285750">
+              <a:buFont typeface="Wingdings" panose="05000000000000000000" pitchFamily="2" charset="2"/>
+              <a:buChar char="u"/>
+            </a:pPr>
+            <a:r>
+              <a:rPr lang="ja-JP" altLang="en-US" sz="2400" smtClean="0"/>
+              <a:t>マウスクリックでゲームオーバーからタイトル画面へ</a:t>
+            </a:r>
+            <a:endParaRPr lang="en-US" altLang="ja-JP" sz="2400"/>
           </a:p>
         </p:txBody>
       </p:sp>
     </p:spTree>
     <p:extLst>
       <p:ext uri="{BB962C8B-B14F-4D97-AF65-F5344CB8AC3E}">
-        <p14:creationId xmlns:p14="http://schemas.microsoft.com/office/powerpoint/2010/main" val="3712081498"/>
+        <p14:creationId xmlns:p14="http://schemas.microsoft.com/office/powerpoint/2010/main" val="3232845173"/>
       </p:ext>
     </p:extLst>
   </p:cSld>
@@ -6000,12 +7346,12 @@
           <a:lstStyle/>
           <a:p>
             <a:r>
-              <a:rPr lang="en-US" altLang="ja-JP" smtClean="0"/>
-              <a:t>Unity</a:t>
-            </a:r>
-            <a:r>
               <a:rPr lang="ja-JP" altLang="en-US" smtClean="0"/>
-              <a:t>でシーン（状態）を管理するには？</a:t>
+              <a:t>シーン（状態）のお</a:t>
+            </a:r>
+            <a:r>
+              <a:rPr lang="ja-JP" altLang="en-US"/>
+              <a:t>約束</a:t>
             </a:r>
             <a:endParaRPr kumimoji="1" lang="ja-JP" altLang="en-US"/>
           </a:p>
@@ -6021,14 +7367,9 @@
             <p:ph idx="1"/>
           </p:nvPr>
         </p:nvSpPr>
-        <p:spPr>
-          <a:xfrm>
-            <a:off x="838200" y="1642111"/>
-            <a:ext cx="10515600" cy="5563325"/>
-          </a:xfrm>
-        </p:spPr>
-        <p:txBody>
-          <a:bodyPr/>
+        <p:spPr/>
+        <p:txBody>
+          <a:bodyPr anchor="ctr"/>
           <a:lstStyle/>
           <a:p>
             <a:pPr>
@@ -6036,60 +7377,24 @@
               <a:buChar char="u"/>
             </a:pPr>
             <a:r>
+              <a:rPr lang="ja-JP" altLang="en-US"/>
+              <a:t>同時</a:t>
+            </a:r>
+            <a:r>
               <a:rPr lang="ja-JP" altLang="en-US" smtClean="0"/>
-              <a:t>方法その１</a:t>
+              <a:t>に、複数のシーン（状態）にならないようにする</a:t>
             </a:r>
             <a:endParaRPr lang="en-US" altLang="ja-JP" smtClean="0"/>
           </a:p>
           <a:p>
             <a:pPr lvl="1"/>
             <a:r>
-              <a:rPr lang="en-US" altLang="ja-JP" smtClean="0"/>
-              <a:t>Scene</a:t>
+              <a:rPr lang="ja-JP" altLang="en-US"/>
+              <a:t>現在</a:t>
             </a:r>
             <a:r>
               <a:rPr lang="ja-JP" altLang="en-US" smtClean="0"/>
-              <a:t>をシーンごとに作って、</a:t>
-            </a:r>
-            <a:r>
-              <a:rPr lang="en-US" altLang="ja-JP" smtClean="0"/>
-              <a:t>LoadSceneAsync</a:t>
-            </a:r>
-            <a:r>
-              <a:rPr lang="ja-JP" altLang="en-US" smtClean="0"/>
-              <a:t>で切り替える</a:t>
-            </a:r>
-            <a:endParaRPr lang="en-US" altLang="ja-JP" smtClean="0"/>
-          </a:p>
-          <a:p>
-            <a:pPr lvl="1"/>
-            <a:r>
-              <a:rPr lang="ja-JP" altLang="en-US" smtClean="0"/>
-              <a:t>シーンごとに管理スクリプトを用意して、初期化</a:t>
-            </a:r>
-            <a:r>
-              <a:rPr lang="en-US" altLang="ja-JP" smtClean="0"/>
-              <a:t>(Start)</a:t>
-            </a:r>
-            <a:r>
-              <a:rPr lang="ja-JP" altLang="en-US" smtClean="0"/>
-              <a:t>、更新</a:t>
-            </a:r>
-            <a:r>
-              <a:rPr lang="en-US" altLang="ja-JP" smtClean="0"/>
-              <a:t>(Update)</a:t>
-            </a:r>
-            <a:r>
-              <a:rPr lang="ja-JP" altLang="en-US" smtClean="0"/>
-              <a:t>、破棄</a:t>
-            </a:r>
-            <a:r>
-              <a:rPr lang="en-US" altLang="ja-JP" smtClean="0"/>
-              <a:t>(OnDestroy)</a:t>
-            </a:r>
-            <a:r>
-              <a:rPr lang="ja-JP" altLang="en-US" smtClean="0"/>
-              <a:t>でシーンを制御</a:t>
+              <a:t>のシーンと、次のシーンを変数で持たせると便利</a:t>
             </a:r>
             <a:endParaRPr lang="en-US" altLang="ja-JP" smtClean="0"/>
           </a:p>
@@ -6103,40 +7408,9 @@
             </a:pPr>
             <a:r>
               <a:rPr lang="ja-JP" altLang="en-US" smtClean="0"/>
-              <a:t>方法その</a:t>
-            </a:r>
-            <a:r>
-              <a:rPr lang="en-US" altLang="ja-JP" smtClean="0"/>
-              <a:t>2</a:t>
-            </a:r>
-          </a:p>
-          <a:p>
-            <a:pPr lvl="1"/>
-            <a:r>
-              <a:rPr lang="ja-JP" altLang="en-US" smtClean="0"/>
-              <a:t>コルーチンを使って、ゲームの流れを直列で表現する</a:t>
+              <a:t>各シーンごとに、初期化、更新、破棄ができる仕組み</a:t>
             </a:r>
             <a:endParaRPr lang="en-US" altLang="ja-JP" smtClean="0"/>
-          </a:p>
-          <a:p>
-            <a:pPr lvl="1"/>
-            <a:endParaRPr lang="en-US" altLang="ja-JP"/>
-          </a:p>
-          <a:p>
-            <a:pPr marL="0" indent="0">
-              <a:buNone/>
-            </a:pPr>
-            <a:r>
-              <a:rPr lang="ja-JP" altLang="en-US" smtClean="0"/>
-              <a:t>まずは現在の知識で実装できる「方法その１」で実装する</a:t>
-            </a:r>
-            <a:endParaRPr lang="en-US" altLang="ja-JP"/>
-          </a:p>
-          <a:p>
-            <a:endParaRPr lang="en-US" altLang="ja-JP" smtClean="0"/>
-          </a:p>
-          <a:p>
-            <a:endParaRPr lang="en-US" altLang="ja-JP"/>
           </a:p>
           <a:p>
             <a:endParaRPr lang="en-US" altLang="ja-JP" smtClean="0"/>
@@ -6146,7 +7420,7 @@
     </p:spTree>
     <p:extLst>
       <p:ext uri="{BB962C8B-B14F-4D97-AF65-F5344CB8AC3E}">
-        <p14:creationId xmlns:p14="http://schemas.microsoft.com/office/powerpoint/2010/main" val="414500970"/>
+        <p14:creationId xmlns:p14="http://schemas.microsoft.com/office/powerpoint/2010/main" val="3712081498"/>
       </p:ext>
     </p:extLst>
   </p:cSld>
@@ -6194,15 +7468,7 @@
             </a:r>
             <a:r>
               <a:rPr lang="ja-JP" altLang="en-US" smtClean="0"/>
-              <a:t>でシーン（状態）をする</a:t>
-            </a:r>
-            <a:r>
-              <a:rPr lang="ja-JP" altLang="en-US"/>
-              <a:t>時</a:t>
-            </a:r>
-            <a:r>
-              <a:rPr lang="ja-JP" altLang="en-US" smtClean="0"/>
-              <a:t>の疑問？</a:t>
+              <a:t>でシーン（状態）を管理するには？</a:t>
             </a:r>
             <a:endParaRPr kumimoji="1" lang="ja-JP" altLang="en-US"/>
           </a:p>
@@ -6220,8 +7486,8 @@
         </p:nvSpPr>
         <p:spPr>
           <a:xfrm>
-            <a:off x="838200" y="695050"/>
-            <a:ext cx="10515600" cy="6064976"/>
+            <a:off x="838200" y="1642111"/>
+            <a:ext cx="10515600" cy="5563325"/>
           </a:xfrm>
         </p:spPr>
         <p:txBody>
@@ -6234,76 +7500,64 @@
             </a:pPr>
             <a:r>
               <a:rPr lang="ja-JP" altLang="en-US" smtClean="0"/>
-              <a:t>スコアはどうする？</a:t>
+              <a:t>方法その１</a:t>
             </a:r>
             <a:endParaRPr lang="en-US" altLang="ja-JP" smtClean="0"/>
           </a:p>
           <a:p>
             <a:pPr lvl="1"/>
             <a:r>
+              <a:rPr lang="en-US" altLang="ja-JP" smtClean="0"/>
+              <a:t>Scene</a:t>
+            </a:r>
+            <a:r>
               <a:rPr lang="ja-JP" altLang="en-US" smtClean="0"/>
-              <a:t>シーンを切り替えると、変数はすべて削除されてしまう</a:t>
+              <a:t>をシーンごとに作って、</a:t>
+            </a:r>
+            <a:r>
+              <a:rPr lang="en-US" altLang="ja-JP" smtClean="0"/>
+              <a:t>LoadSceneAsync</a:t>
+            </a:r>
+            <a:r>
+              <a:rPr lang="ja-JP" altLang="en-US" smtClean="0"/>
+              <a:t>で切り替える</a:t>
             </a:r>
             <a:endParaRPr lang="en-US" altLang="ja-JP" smtClean="0"/>
           </a:p>
           <a:p>
-            <a:pPr marL="457200" lvl="1" indent="0">
-              <a:buNone/>
-            </a:pPr>
-            <a:r>
-              <a:rPr lang="ja-JP" altLang="en-US"/>
-              <a:t>　</a:t>
-            </a:r>
+            <a:pPr lvl="1"/>
             <a:r>
               <a:rPr lang="ja-JP" altLang="en-US" smtClean="0"/>
-              <a:t>＝記録した点数を、タイトル画面などに表示できない</a:t>
+              <a:t>シーンごとに管理スクリプトを用意して、初期化</a:t>
+            </a:r>
+            <a:r>
+              <a:rPr lang="en-US" altLang="ja-JP" smtClean="0"/>
+              <a:t>(Start)</a:t>
+            </a:r>
+            <a:r>
+              <a:rPr lang="ja-JP" altLang="en-US" smtClean="0"/>
+              <a:t>、更新</a:t>
+            </a:r>
+            <a:r>
+              <a:rPr lang="en-US" altLang="ja-JP" smtClean="0"/>
+              <a:t>(Update)</a:t>
+            </a:r>
+            <a:r>
+              <a:rPr lang="ja-JP" altLang="en-US" smtClean="0"/>
+              <a:t>、破棄</a:t>
+            </a:r>
+            <a:r>
+              <a:rPr lang="en-US" altLang="ja-JP" smtClean="0"/>
+              <a:t>(OnDestroy)</a:t>
+            </a:r>
+            <a:r>
+              <a:rPr lang="ja-JP" altLang="en-US" smtClean="0"/>
+              <a:t>でシーンを制御</a:t>
             </a:r>
             <a:endParaRPr lang="en-US" altLang="ja-JP" smtClean="0"/>
           </a:p>
           <a:p>
-            <a:pPr lvl="1"/>
-            <a:r>
-              <a:rPr lang="ja-JP" altLang="en-US" smtClean="0"/>
-              <a:t>ゲーム</a:t>
-            </a:r>
-            <a:r>
-              <a:rPr lang="ja-JP" altLang="en-US"/>
-              <a:t>全体</a:t>
-            </a:r>
-            <a:r>
-              <a:rPr lang="ja-JP" altLang="en-US" smtClean="0"/>
-              <a:t>で使うパラメータを管理するクラスを作成して、</a:t>
-            </a:r>
-            <a:r>
-              <a:rPr lang="en-US" altLang="ja-JP" smtClean="0">
-                <a:solidFill>
-                  <a:srgbClr val="FF0000"/>
-                </a:solidFill>
-                <a:effectLst>
-                  <a:outerShdw blurRad="38100" dist="38100" dir="2700000" algn="tl">
-                    <a:srgbClr val="000000">
-                      <a:alpha val="43137"/>
-                    </a:srgbClr>
-                  </a:outerShdw>
-                </a:effectLst>
-              </a:rPr>
-              <a:t>static</a:t>
-            </a:r>
-            <a:r>
-              <a:rPr lang="ja-JP" altLang="en-US" smtClean="0"/>
-              <a:t>で記録</a:t>
-            </a:r>
             <a:endParaRPr lang="en-US" altLang="ja-JP" smtClean="0"/>
-          </a:p>
-          <a:p>
-            <a:pPr marL="457200" lvl="1" indent="0">
-              <a:buNone/>
-            </a:pPr>
-            <a:r>
-              <a:rPr lang="ja-JP" altLang="en-US"/>
-              <a:t>　</a:t>
-            </a:r>
-            <a:endParaRPr lang="en-US" altLang="ja-JP"/>
           </a:p>
           <a:p>
             <a:pPr>
@@ -6312,115 +7566,36 @@
             </a:pPr>
             <a:r>
               <a:rPr lang="ja-JP" altLang="en-US" smtClean="0"/>
-              <a:t>ハイスコアはどう記録する？</a:t>
+              <a:t>方法その</a:t>
+            </a:r>
+            <a:r>
+              <a:rPr lang="en-US" altLang="ja-JP" smtClean="0"/>
+              <a:t>2</a:t>
+            </a:r>
+          </a:p>
+          <a:p>
+            <a:pPr lvl="1"/>
+            <a:r>
+              <a:rPr lang="ja-JP" altLang="en-US" smtClean="0"/>
+              <a:t>コルーチンを使って、ゲームの流れを直列で表現する</a:t>
             </a:r>
             <a:endParaRPr lang="en-US" altLang="ja-JP" smtClean="0"/>
           </a:p>
           <a:p>
             <a:pPr lvl="1"/>
-            <a:r>
-              <a:rPr lang="en-US" altLang="ja-JP" smtClean="0">
-                <a:solidFill>
-                  <a:srgbClr val="FF0000"/>
-                </a:solidFill>
-                <a:effectLst>
-                  <a:outerShdw blurRad="38100" dist="38100" dir="2700000" algn="tl">
-                    <a:srgbClr val="000000">
-                      <a:alpha val="43137"/>
-                    </a:srgbClr>
-                  </a:outerShdw>
-                </a:effectLst>
-              </a:rPr>
-              <a:t>PlayerPrefs</a:t>
-            </a:r>
-            <a:r>
-              <a:rPr lang="ja-JP" altLang="en-US" smtClean="0"/>
-              <a:t>を利用</a:t>
-            </a:r>
-            <a:endParaRPr lang="en-US" altLang="ja-JP" smtClean="0"/>
-          </a:p>
-          <a:p>
-            <a:pPr lvl="1"/>
-            <a:r>
-              <a:rPr lang="ja-JP" altLang="en-US"/>
-              <a:t>キ</a:t>
-            </a:r>
-            <a:r>
-              <a:rPr lang="ja-JP" altLang="en-US" smtClean="0"/>
-              <a:t>ーと値をセットで記録できる</a:t>
-            </a:r>
-            <a:endParaRPr lang="en-US" altLang="ja-JP" smtClean="0"/>
-          </a:p>
-          <a:p>
-            <a:pPr lvl="1"/>
-            <a:r>
-              <a:rPr lang="en-US" altLang="ja-JP"/>
-              <a:t>https://</a:t>
-            </a:r>
-            <a:r>
-              <a:rPr lang="en-US" altLang="ja-JP" smtClean="0"/>
-              <a:t>docs.unity3d.com/ja/540/ScriptReference/PlayerPrefs.html</a:t>
-            </a:r>
-          </a:p>
-          <a:p>
-            <a:pPr lvl="1"/>
-            <a:endParaRPr lang="en-US" altLang="ja-JP"/>
-          </a:p>
-          <a:p>
-            <a:pPr>
-              <a:buFont typeface="Wingdings" panose="05000000000000000000" pitchFamily="2" charset="2"/>
-              <a:buChar char="u"/>
-            </a:pPr>
-            <a:r>
-              <a:rPr lang="ja-JP" altLang="en-US" smtClean="0"/>
-              <a:t>ミスとクリアが同時に発生したら？</a:t>
-            </a:r>
-            <a:endParaRPr lang="en-US" altLang="ja-JP" smtClean="0"/>
-          </a:p>
-          <a:p>
-            <a:pPr lvl="1"/>
-            <a:r>
-              <a:rPr lang="ja-JP" altLang="en-US" smtClean="0"/>
-              <a:t>シーン切り替えはすぐに行わず、一旦変数にいれておく</a:t>
-            </a:r>
-            <a:endParaRPr lang="en-US" altLang="ja-JP" smtClean="0"/>
-          </a:p>
-          <a:p>
-            <a:pPr lvl="1"/>
-            <a:r>
-              <a:rPr lang="ja-JP" altLang="en-US" smtClean="0"/>
-              <a:t>シーン切り替え要求で、優先順位の高い方を残す</a:t>
-            </a:r>
-            <a:endParaRPr lang="en-US" altLang="ja-JP"/>
-          </a:p>
-          <a:p>
-            <a:pPr lvl="1"/>
-            <a:r>
-              <a:rPr lang="ja-JP" altLang="en-US" smtClean="0"/>
-              <a:t>更新の最後</a:t>
-            </a:r>
-            <a:r>
-              <a:rPr lang="en-US" altLang="ja-JP" smtClean="0"/>
-              <a:t>(</a:t>
-            </a:r>
-            <a:r>
-              <a:rPr lang="ja-JP" altLang="en-US" smtClean="0"/>
-              <a:t>あるいは最初</a:t>
-            </a:r>
-            <a:r>
-              <a:rPr lang="en-US" altLang="ja-JP" smtClean="0"/>
-              <a:t>)</a:t>
-            </a:r>
-            <a:r>
-              <a:rPr lang="ja-JP" altLang="en-US" smtClean="0"/>
-              <a:t>に切り替えを行う</a:t>
-            </a:r>
             <a:endParaRPr lang="en-US" altLang="ja-JP"/>
           </a:p>
           <a:p>
             <a:pPr marL="0" indent="0">
               <a:buNone/>
             </a:pPr>
+            <a:r>
+              <a:rPr lang="ja-JP" altLang="en-US" smtClean="0"/>
+              <a:t>まずは現在の知識で実装できる「方法その１」で実装する</a:t>
+            </a:r>
+            <a:endParaRPr lang="en-US" altLang="ja-JP"/>
+          </a:p>
+          <a:p>
             <a:endParaRPr lang="en-US" altLang="ja-JP" smtClean="0"/>
           </a:p>
           <a:p>
@@ -6434,7 +7609,7 @@
     </p:spTree>
     <p:extLst>
       <p:ext uri="{BB962C8B-B14F-4D97-AF65-F5344CB8AC3E}">
-        <p14:creationId xmlns:p14="http://schemas.microsoft.com/office/powerpoint/2010/main" val="283897770"/>
+        <p14:creationId xmlns:p14="http://schemas.microsoft.com/office/powerpoint/2010/main" val="414500970"/>
       </p:ext>
     </p:extLst>
   </p:cSld>
@@ -6477,8 +7652,20 @@
           <a:lstStyle/>
           <a:p>
             <a:r>
-              <a:rPr kumimoji="1" lang="ja-JP" altLang="en-US" smtClean="0"/>
-              <a:t>開発手順</a:t>
+              <a:rPr lang="en-US" altLang="ja-JP" smtClean="0"/>
+              <a:t>Unity</a:t>
+            </a:r>
+            <a:r>
+              <a:rPr lang="ja-JP" altLang="en-US" smtClean="0"/>
+              <a:t>でシーン（状態）をする</a:t>
+            </a:r>
+            <a:r>
+              <a:rPr lang="ja-JP" altLang="en-US"/>
+              <a:t>時</a:t>
+            </a:r>
+            <a:r>
+              <a:rPr lang="ja-JP" altLang="en-US" smtClean="0"/>
+              <a:t>の疑問？</a:t>
             </a:r>
             <a:endParaRPr kumimoji="1" lang="ja-JP" altLang="en-US"/>
           </a:p>
@@ -6494,74 +7681,186 @@
             <p:ph idx="1"/>
           </p:nvPr>
         </p:nvSpPr>
-        <p:spPr/>
+        <p:spPr>
+          <a:xfrm>
+            <a:off x="838200" y="695050"/>
+            <a:ext cx="10515600" cy="6064976"/>
+          </a:xfrm>
+        </p:spPr>
         <p:txBody>
           <a:bodyPr/>
           <a:lstStyle/>
           <a:p>
-            <a:pPr marL="514350" indent="-514350">
-              <a:buFont typeface="+mj-lt"/>
-              <a:buAutoNum type="arabicPeriod"/>
+            <a:pPr>
+              <a:buFont typeface="Wingdings" panose="05000000000000000000" pitchFamily="2" charset="2"/>
+              <a:buChar char="u"/>
             </a:pPr>
             <a:r>
               <a:rPr lang="ja-JP" altLang="en-US" smtClean="0"/>
-              <a:t>プロジェクトの作成</a:t>
+              <a:t>スコアはどうする？</a:t>
             </a:r>
             <a:endParaRPr lang="en-US" altLang="ja-JP" smtClean="0"/>
           </a:p>
           <a:p>
-            <a:pPr marL="514350" indent="-514350">
-              <a:buFont typeface="+mj-lt"/>
-              <a:buAutoNum type="arabicPeriod"/>
+            <a:pPr lvl="1"/>
+            <a:r>
+              <a:rPr lang="ja-JP" altLang="en-US" smtClean="0"/>
+              <a:t>シーンを切り替えると、変数はすべて削除されてしまう</a:t>
+            </a:r>
+            <a:endParaRPr lang="en-US" altLang="ja-JP" smtClean="0"/>
+          </a:p>
+          <a:p>
+            <a:pPr marL="457200" lvl="1" indent="0">
+              <a:buNone/>
             </a:pPr>
             <a:r>
               <a:rPr lang="ja-JP" altLang="en-US"/>
-              <a:t>必要</a:t>
+              <a:t>　</a:t>
             </a:r>
             <a:r>
               <a:rPr lang="ja-JP" altLang="en-US" smtClean="0"/>
-              <a:t>なシーンをすべて作成</a:t>
+              <a:t>＝記録した点数を、タイトル画面などに表示できない</a:t>
             </a:r>
             <a:endParaRPr lang="en-US" altLang="ja-JP" smtClean="0"/>
           </a:p>
           <a:p>
-            <a:pPr marL="514350" indent="-514350">
-              <a:buFont typeface="+mj-lt"/>
-              <a:buAutoNum type="arabicPeriod"/>
+            <a:pPr lvl="1"/>
+            <a:r>
+              <a:rPr lang="ja-JP" altLang="en-US" smtClean="0"/>
+              <a:t>ゲーム</a:t>
+            </a:r>
+            <a:r>
+              <a:rPr lang="ja-JP" altLang="en-US"/>
+              <a:t>全体</a:t>
+            </a:r>
+            <a:r>
+              <a:rPr lang="ja-JP" altLang="en-US" smtClean="0"/>
+              <a:t>で使うパラメータを管理するクラスを作成して、</a:t>
+            </a:r>
+            <a:r>
+              <a:rPr lang="en-US" altLang="ja-JP" smtClean="0">
+                <a:solidFill>
+                  <a:srgbClr val="FF0000"/>
+                </a:solidFill>
+                <a:effectLst>
+                  <a:outerShdw blurRad="38100" dist="38100" dir="2700000" algn="tl">
+                    <a:srgbClr val="000000">
+                      <a:alpha val="43137"/>
+                    </a:srgbClr>
+                  </a:outerShdw>
+                </a:effectLst>
+              </a:rPr>
+              <a:t>static</a:t>
+            </a:r>
+            <a:r>
+              <a:rPr lang="ja-JP" altLang="en-US" smtClean="0"/>
+              <a:t>で記録</a:t>
+            </a:r>
+            <a:endParaRPr lang="en-US" altLang="ja-JP" smtClean="0"/>
+          </a:p>
+          <a:p>
+            <a:pPr marL="457200" lvl="1" indent="0">
+              <a:buNone/>
             </a:pPr>
             <a:r>
+              <a:rPr lang="ja-JP" altLang="en-US"/>
+              <a:t>　</a:t>
+            </a:r>
+            <a:endParaRPr lang="en-US" altLang="ja-JP"/>
+          </a:p>
+          <a:p>
+            <a:pPr>
+              <a:buFont typeface="Wingdings" panose="05000000000000000000" pitchFamily="2" charset="2"/>
+              <a:buChar char="u"/>
+            </a:pPr>
+            <a:r>
               <a:rPr lang="ja-JP" altLang="en-US" smtClean="0"/>
-              <a:t>各シーンを表す文字を</a:t>
+              <a:t>ハイスコアはどう記録する？</a:t>
+            </a:r>
+            <a:endParaRPr lang="en-US" altLang="ja-JP" smtClean="0"/>
+          </a:p>
+          <a:p>
+            <a:pPr lvl="1"/>
+            <a:r>
+              <a:rPr lang="en-US" altLang="ja-JP" smtClean="0">
+                <a:solidFill>
+                  <a:srgbClr val="FF0000"/>
+                </a:solidFill>
+                <a:effectLst>
+                  <a:outerShdw blurRad="38100" dist="38100" dir="2700000" algn="tl">
+                    <a:srgbClr val="000000">
+                      <a:alpha val="43137"/>
+                    </a:srgbClr>
+                  </a:outerShdw>
+                </a:effectLst>
+              </a:rPr>
+              <a:t>PlayerPrefs</a:t>
             </a:r>
             <a:r>
               <a:rPr lang="ja-JP" altLang="en-US" smtClean="0"/>
-              <a:t>表示</a:t>
+              <a:t>を利用</a:t>
             </a:r>
             <a:endParaRPr lang="en-US" altLang="ja-JP" smtClean="0"/>
           </a:p>
           <a:p>
-            <a:pPr marL="514350" indent="-514350">
-              <a:buFont typeface="+mj-lt"/>
-              <a:buAutoNum type="arabicPeriod"/>
+            <a:pPr lvl="1"/>
+            <a:r>
+              <a:rPr lang="ja-JP" altLang="en-US"/>
+              <a:t>キ</a:t>
+            </a:r>
+            <a:r>
+              <a:rPr lang="ja-JP" altLang="en-US" smtClean="0"/>
+              <a:t>ーと値をセットで記録できる</a:t>
+            </a:r>
+            <a:endParaRPr lang="en-US" altLang="ja-JP" smtClean="0"/>
+          </a:p>
+          <a:p>
+            <a:pPr lvl="1"/>
+            <a:r>
+              <a:rPr lang="en-US" altLang="ja-JP"/>
+              <a:t>https://</a:t>
+            </a:r>
+            <a:r>
+              <a:rPr lang="en-US" altLang="ja-JP" smtClean="0"/>
+              <a:t>docs.unity3d.com/ja/540/ScriptReference/PlayerPrefs.html</a:t>
+            </a:r>
+          </a:p>
+          <a:p>
+            <a:pPr lvl="1"/>
+            <a:endParaRPr lang="en-US" altLang="ja-JP"/>
+          </a:p>
+          <a:p>
+            <a:pPr>
+              <a:buFont typeface="Wingdings" panose="05000000000000000000" pitchFamily="2" charset="2"/>
+              <a:buChar char="u"/>
             </a:pPr>
             <a:r>
-              <a:rPr lang="ja-JP" altLang="en-US"/>
-              <a:t>シーン</a:t>
-            </a:r>
-            <a:r>
               <a:rPr lang="ja-JP" altLang="en-US" smtClean="0"/>
-              <a:t>の遷移を作成</a:t>
+              <a:t>ミスとクリアが同時に発生したら？</a:t>
             </a:r>
             <a:endParaRPr lang="en-US" altLang="ja-JP" smtClean="0"/>
           </a:p>
           <a:p>
-            <a:pPr lvl="1">
-              <a:buFont typeface="Wingdings" panose="05000000000000000000" pitchFamily="2" charset="2"/>
-              <a:buChar char="Ø"/>
-            </a:pPr>
+            <a:pPr lvl="1"/>
             <a:r>
               <a:rPr lang="ja-JP" altLang="en-US" smtClean="0"/>
-              <a:t>タイトル→</a:t>
+              <a:t>シーン切り替えはすぐに行わず、一旦変数にいれておく</a:t>
+            </a:r>
+            <a:endParaRPr lang="en-US" altLang="ja-JP" smtClean="0"/>
+          </a:p>
+          <a:p>
+            <a:pPr lvl="1"/>
+            <a:r>
+              <a:rPr lang="ja-JP" altLang="en-US" smtClean="0"/>
+              <a:t>シーン切り替え要求で、優先順位の高い方を残す</a:t>
+            </a:r>
+            <a:endParaRPr lang="en-US" altLang="ja-JP"/>
+          </a:p>
+          <a:p>
+            <a:pPr lvl="1"/>
+            <a:r>
+              <a:rPr lang="ja-JP" altLang="en-US" smtClean="0"/>
+              <a:t>更新の最後</a:t>
             </a:r>
             <a:r>
               <a:rPr lang="en-US" altLang="ja-JP" smtClean="0"/>
@@ -6569,7 +7868,7 @@
             </a:r>
             <a:r>
               <a:rPr lang="ja-JP" altLang="en-US" smtClean="0"/>
-              <a:t>クリック</a:t>
+              <a:t>あるいは最初</a:t>
             </a:r>
             <a:r>
               <a:rPr lang="en-US" altLang="ja-JP" smtClean="0"/>
@@ -6577,171 +7876,20 @@
             </a:r>
             <a:r>
               <a:rPr lang="ja-JP" altLang="en-US" smtClean="0"/>
-              <a:t>→ゲーム→</a:t>
-            </a:r>
-            <a:r>
-              <a:rPr lang="en-US" altLang="ja-JP" smtClean="0"/>
-              <a:t>(</a:t>
-            </a:r>
-            <a:r>
-              <a:rPr lang="ja-JP" altLang="en-US"/>
-              <a:t>クリック</a:t>
-            </a:r>
-            <a:r>
-              <a:rPr lang="en-US" altLang="ja-JP"/>
-              <a:t>)</a:t>
-            </a:r>
-            <a:r>
-              <a:rPr lang="ja-JP" altLang="en-US"/>
-              <a:t>→</a:t>
-            </a:r>
-            <a:r>
-              <a:rPr lang="ja-JP" altLang="en-US" smtClean="0"/>
-              <a:t>ゲームオーバー→</a:t>
-            </a:r>
-            <a:r>
-              <a:rPr lang="en-US" altLang="ja-JP" smtClean="0"/>
-              <a:t>(</a:t>
-            </a:r>
-            <a:r>
-              <a:rPr lang="ja-JP" altLang="en-US"/>
-              <a:t>クリック</a:t>
-            </a:r>
-            <a:r>
-              <a:rPr lang="en-US" altLang="ja-JP"/>
-              <a:t>)</a:t>
-            </a:r>
-            <a:r>
-              <a:rPr lang="ja-JP" altLang="en-US"/>
-              <a:t>→</a:t>
-            </a:r>
-            <a:r>
-              <a:rPr lang="ja-JP" altLang="en-US" smtClean="0"/>
-              <a:t>タイトル</a:t>
-            </a:r>
+              <a:t>に切り替えを行う</a:t>
+            </a:r>
+            <a:endParaRPr lang="en-US" altLang="ja-JP"/>
+          </a:p>
+          <a:p>
+            <a:pPr marL="0" indent="0">
+              <a:buNone/>
+            </a:pPr>
             <a:endParaRPr lang="en-US" altLang="ja-JP" smtClean="0"/>
           </a:p>
           <a:p>
-            <a:pPr lvl="1">
-              <a:buFont typeface="Wingdings" panose="05000000000000000000" pitchFamily="2" charset="2"/>
-              <a:buChar char="Ø"/>
-            </a:pPr>
-            <a:r>
-              <a:rPr lang="ja-JP" altLang="en-US" smtClean="0"/>
-              <a:t>タイトル→</a:t>
-            </a:r>
-            <a:r>
-              <a:rPr lang="en-US" altLang="ja-JP" smtClean="0"/>
-              <a:t>(</a:t>
-            </a:r>
-            <a:r>
-              <a:rPr lang="ja-JP" altLang="en-US"/>
-              <a:t>クリック</a:t>
-            </a:r>
-            <a:r>
-              <a:rPr lang="en-US" altLang="ja-JP"/>
-              <a:t>)</a:t>
-            </a:r>
-            <a:r>
-              <a:rPr lang="ja-JP" altLang="en-US"/>
-              <a:t>→</a:t>
-            </a:r>
-            <a:r>
-              <a:rPr lang="ja-JP" altLang="en-US" smtClean="0"/>
-              <a:t>ゲーム→</a:t>
-            </a:r>
-            <a:r>
-              <a:rPr lang="en-US" altLang="ja-JP" smtClean="0"/>
-              <a:t>(</a:t>
-            </a:r>
-            <a:r>
-              <a:rPr lang="ja-JP" altLang="en-US"/>
-              <a:t>右</a:t>
-            </a:r>
-            <a:r>
-              <a:rPr lang="ja-JP" altLang="en-US" smtClean="0"/>
-              <a:t>クリック</a:t>
-            </a:r>
-            <a:r>
-              <a:rPr lang="en-US" altLang="ja-JP"/>
-              <a:t>)</a:t>
-            </a:r>
-            <a:r>
-              <a:rPr lang="ja-JP" altLang="en-US"/>
-              <a:t>→</a:t>
-            </a:r>
-            <a:r>
-              <a:rPr lang="ja-JP" altLang="en-US" smtClean="0"/>
-              <a:t>クリア→</a:t>
-            </a:r>
-            <a:r>
-              <a:rPr lang="en-US" altLang="ja-JP" smtClean="0"/>
-              <a:t>(</a:t>
-            </a:r>
-            <a:r>
-              <a:rPr lang="ja-JP" altLang="en-US"/>
-              <a:t>クリック</a:t>
-            </a:r>
-            <a:r>
-              <a:rPr lang="en-US" altLang="ja-JP"/>
-              <a:t>)</a:t>
-            </a:r>
-            <a:r>
-              <a:rPr lang="ja-JP" altLang="en-US"/>
-              <a:t>→</a:t>
-            </a:r>
-            <a:r>
-              <a:rPr lang="ja-JP" altLang="en-US" smtClean="0"/>
-              <a:t>タイトル</a:t>
-            </a:r>
-            <a:endParaRPr lang="en-US" altLang="ja-JP" smtClean="0"/>
-          </a:p>
-          <a:p>
-            <a:pPr marL="514350" indent="-514350">
-              <a:buFont typeface="+mj-lt"/>
-              <a:buAutoNum type="arabicPeriod"/>
-            </a:pPr>
-            <a:r>
-              <a:rPr lang="ja-JP" altLang="en-US" smtClean="0"/>
-              <a:t>ゲーム管理スクリプトを作成</a:t>
-            </a:r>
-            <a:endParaRPr lang="en-US" altLang="ja-JP" smtClean="0"/>
-          </a:p>
-          <a:p>
-            <a:pPr marL="514350" indent="-514350">
-              <a:buFont typeface="+mj-lt"/>
-              <a:buAutoNum type="arabicPeriod"/>
-            </a:pPr>
-            <a:r>
-              <a:rPr lang="ja-JP" altLang="en-US" smtClean="0"/>
-              <a:t>スコアとハイスコアを定義</a:t>
-            </a:r>
-            <a:endParaRPr lang="en-US" altLang="ja-JP" smtClean="0"/>
-          </a:p>
-          <a:p>
-            <a:pPr marL="514350" indent="-514350">
-              <a:buFont typeface="+mj-lt"/>
-              <a:buAutoNum type="arabicPeriod"/>
-            </a:pPr>
-            <a:r>
-              <a:rPr lang="ja-JP" altLang="en-US" smtClean="0"/>
-              <a:t>ゲーム中、スコアをカウントアップ</a:t>
-            </a:r>
-            <a:endParaRPr lang="en-US" altLang="ja-JP" smtClean="0"/>
-          </a:p>
-          <a:p>
-            <a:pPr marL="514350" indent="-514350">
-              <a:buFont typeface="+mj-lt"/>
-              <a:buAutoNum type="arabicPeriod"/>
-            </a:pPr>
-            <a:r>
-              <a:rPr lang="ja-JP" altLang="en-US"/>
-              <a:t>ハイスコア</a:t>
-            </a:r>
-            <a:r>
-              <a:rPr lang="ja-JP" altLang="en-US" smtClean="0"/>
-              <a:t>の読み込み、保存を実装</a:t>
-            </a:r>
+            <a:endParaRPr lang="en-US" altLang="ja-JP"/>
+          </a:p>
+          <a:p>
             <a:endParaRPr lang="en-US" altLang="ja-JP" smtClean="0"/>
           </a:p>
         </p:txBody>
@@ -6749,7 +7897,7 @@
     </p:spTree>
     <p:extLst>
       <p:ext uri="{BB962C8B-B14F-4D97-AF65-F5344CB8AC3E}">
-        <p14:creationId xmlns:p14="http://schemas.microsoft.com/office/powerpoint/2010/main" val="2669713878"/>
+        <p14:creationId xmlns:p14="http://schemas.microsoft.com/office/powerpoint/2010/main" val="283897770"/>
       </p:ext>
     </p:extLst>
   </p:cSld>
@@ -6793,208 +7941,274 @@
           <a:p>
             <a:r>
               <a:rPr kumimoji="1" lang="ja-JP" altLang="en-US" smtClean="0"/>
-              <a:t>全体の構造</a:t>
-            </a:r>
-            <a:r>
-              <a:rPr kumimoji="1" lang="en-US" altLang="ja-JP" smtClean="0"/>
+              <a:t>開発手順</a:t>
+            </a:r>
+            <a:endParaRPr kumimoji="1" lang="ja-JP" altLang="en-US"/>
+          </a:p>
+        </p:txBody>
+      </p:sp>
+      <p:sp>
+        <p:nvSpPr>
+          <p:cNvPr id="3" name="コンテンツ プレースホルダー 2"/>
+          <p:cNvSpPr>
+            <a:spLocks noGrp="1"/>
+          </p:cNvSpPr>
+          <p:nvPr>
+            <p:ph idx="1"/>
+          </p:nvPr>
+        </p:nvSpPr>
+        <p:spPr/>
+        <p:txBody>
+          <a:bodyPr/>
+          <a:lstStyle/>
+          <a:p>
+            <a:pPr marL="514350" indent="-514350">
+              <a:buFont typeface="+mj-lt"/>
+              <a:buAutoNum type="arabicPeriod"/>
+            </a:pPr>
+            <a:r>
+              <a:rPr lang="ja-JP" altLang="en-US" smtClean="0"/>
+              <a:t>プロジェクトの作成</a:t>
+            </a:r>
+            <a:endParaRPr lang="en-US" altLang="ja-JP" smtClean="0"/>
+          </a:p>
+          <a:p>
+            <a:pPr marL="514350" indent="-514350">
+              <a:buFont typeface="+mj-lt"/>
+              <a:buAutoNum type="arabicPeriod"/>
+            </a:pPr>
+            <a:r>
+              <a:rPr lang="ja-JP" altLang="en-US"/>
+              <a:t>必要</a:t>
+            </a:r>
+            <a:r>
+              <a:rPr lang="ja-JP" altLang="en-US" smtClean="0"/>
+              <a:t>なシーンをすべて作成</a:t>
+            </a:r>
+            <a:endParaRPr lang="en-US" altLang="ja-JP" smtClean="0"/>
+          </a:p>
+          <a:p>
+            <a:pPr marL="514350" indent="-514350">
+              <a:buFont typeface="+mj-lt"/>
+              <a:buAutoNum type="arabicPeriod"/>
+            </a:pPr>
+            <a:r>
+              <a:rPr lang="ja-JP" altLang="en-US" smtClean="0"/>
+              <a:t>各シーンを表す文字を表示</a:t>
+            </a:r>
+            <a:endParaRPr lang="en-US" altLang="ja-JP" smtClean="0"/>
+          </a:p>
+          <a:p>
+            <a:pPr marL="514350" indent="-514350">
+              <a:buFont typeface="+mj-lt"/>
+              <a:buAutoNum type="arabicPeriod"/>
+            </a:pPr>
+            <a:r>
+              <a:rPr lang="ja-JP" altLang="en-US"/>
+              <a:t>シーン</a:t>
+            </a:r>
+            <a:r>
+              <a:rPr lang="ja-JP" altLang="en-US" smtClean="0"/>
+              <a:t>の遷移を作成</a:t>
+            </a:r>
+            <a:endParaRPr lang="en-US" altLang="ja-JP" smtClean="0"/>
+          </a:p>
+          <a:p>
+            <a:pPr lvl="1">
+              <a:buFont typeface="Wingdings" panose="05000000000000000000" pitchFamily="2" charset="2"/>
+              <a:buChar char="Ø"/>
+            </a:pPr>
+            <a:r>
+              <a:rPr lang="ja-JP" altLang="en-US" smtClean="0"/>
+              <a:t>タイトル→</a:t>
+            </a:r>
+            <a:r>
+              <a:rPr lang="en-US" altLang="ja-JP" smtClean="0"/>
               <a:t>(</a:t>
             </a:r>
             <a:r>
-              <a:rPr kumimoji="1" lang="ja-JP" altLang="en-US" smtClean="0"/>
-              <a:t>シーン</a:t>
-            </a:r>
-            <a:r>
-              <a:rPr kumimoji="1" lang="en-US" altLang="ja-JP" smtClean="0"/>
+              <a:rPr lang="ja-JP" altLang="en-US" smtClean="0"/>
+              <a:t>クリック</a:t>
+            </a:r>
+            <a:r>
+              <a:rPr lang="en-US" altLang="ja-JP" smtClean="0"/>
               <a:t>)</a:t>
             </a:r>
-            <a:endParaRPr kumimoji="1" lang="ja-JP" altLang="en-US"/>
-          </a:p>
-        </p:txBody>
-      </p:sp>
-      <p:sp>
-        <p:nvSpPr>
-          <p:cNvPr id="5" name="角丸四角形 4"/>
-          <p:cNvSpPr/>
-          <p:nvPr/>
-        </p:nvSpPr>
-        <p:spPr>
-          <a:xfrm>
-            <a:off x="1078089" y="835378"/>
-            <a:ext cx="9932812" cy="1825023"/>
-          </a:xfrm>
-          <a:prstGeom prst="roundRect">
-            <a:avLst/>
-          </a:prstGeom>
-          <a:solidFill>
-            <a:schemeClr val="accent4">
-              <a:lumMod val="20000"/>
-              <a:lumOff val="80000"/>
-            </a:schemeClr>
-          </a:solidFill>
-        </p:spPr>
-        <p:style>
-          <a:lnRef idx="1">
-            <a:schemeClr val="accent4"/>
-          </a:lnRef>
-          <a:fillRef idx="2">
-            <a:schemeClr val="accent4"/>
-          </a:fillRef>
-          <a:effectRef idx="1">
-            <a:schemeClr val="accent4"/>
-          </a:effectRef>
-          <a:fontRef idx="minor">
-            <a:schemeClr val="dk1"/>
-          </a:fontRef>
-        </p:style>
-        <p:txBody>
-          <a:bodyPr rtlCol="0" anchor="t"/>
-          <a:lstStyle/>
-          <a:p>
-            <a:pPr lvl="1"/>
-            <a:r>
-              <a:rPr lang="ja-JP" altLang="en-US" sz="2400" smtClean="0"/>
-              <a:t>タイトルシーン</a:t>
-            </a:r>
-            <a:endParaRPr lang="en-US" altLang="ja-JP" sz="2400" smtClean="0"/>
-          </a:p>
-        </p:txBody>
-      </p:sp>
-      <p:sp>
-        <p:nvSpPr>
-          <p:cNvPr id="6" name="角丸四角形 5"/>
-          <p:cNvSpPr/>
-          <p:nvPr/>
-        </p:nvSpPr>
-        <p:spPr>
-          <a:xfrm>
-            <a:off x="1078089" y="2841978"/>
-            <a:ext cx="9932811" cy="3901722"/>
-          </a:xfrm>
-          <a:prstGeom prst="roundRect">
-            <a:avLst/>
-          </a:prstGeom>
-          <a:solidFill>
-            <a:schemeClr val="accent4">
-              <a:lumMod val="20000"/>
-              <a:lumOff val="80000"/>
-            </a:schemeClr>
-          </a:solidFill>
-        </p:spPr>
-        <p:style>
-          <a:lnRef idx="1">
-            <a:schemeClr val="accent4"/>
-          </a:lnRef>
-          <a:fillRef idx="2">
-            <a:schemeClr val="accent4"/>
-          </a:fillRef>
-          <a:effectRef idx="1">
-            <a:schemeClr val="accent4"/>
-          </a:effectRef>
-          <a:fontRef idx="minor">
-            <a:schemeClr val="dk1"/>
-          </a:fontRef>
-        </p:style>
-        <p:txBody>
-          <a:bodyPr rtlCol="0" anchor="t"/>
-          <a:lstStyle/>
-          <a:p>
-            <a:pPr lvl="1"/>
-            <a:r>
-              <a:rPr lang="ja-JP" altLang="en-US" sz="2400" smtClean="0"/>
-              <a:t>ゲームシーン</a:t>
-            </a:r>
-            <a:endParaRPr lang="en-US" altLang="ja-JP" sz="2400" smtClean="0"/>
-          </a:p>
-        </p:txBody>
-      </p:sp>
-      <p:sp>
-        <p:nvSpPr>
-          <p:cNvPr id="36" name="角丸四角形 35"/>
-          <p:cNvSpPr/>
-          <p:nvPr/>
-        </p:nvSpPr>
-        <p:spPr>
-          <a:xfrm>
-            <a:off x="1241426" y="4807880"/>
-            <a:ext cx="4511674" cy="1908000"/>
-          </a:xfrm>
-          <a:prstGeom prst="roundRect">
-            <a:avLst/>
-          </a:prstGeom>
-        </p:spPr>
-        <p:style>
-          <a:lnRef idx="1">
-            <a:schemeClr val="accent2"/>
-          </a:lnRef>
-          <a:fillRef idx="2">
-            <a:schemeClr val="accent2"/>
-          </a:fillRef>
-          <a:effectRef idx="1">
-            <a:schemeClr val="accent2"/>
-          </a:effectRef>
-          <a:fontRef idx="minor">
-            <a:schemeClr val="dk1"/>
-          </a:fontRef>
-        </p:style>
-        <p:txBody>
-          <a:bodyPr rtlCol="0" anchor="t"/>
-          <a:lstStyle/>
-          <a:p>
-            <a:pPr lvl="1"/>
-            <a:r>
-              <a:rPr lang="ja-JP" altLang="en-US" sz="2400" smtClean="0"/>
-              <a:t>ゲームオーバーシーン</a:t>
-            </a:r>
-            <a:endParaRPr lang="en-US" altLang="ja-JP" sz="2400" smtClean="0"/>
-          </a:p>
-        </p:txBody>
-      </p:sp>
-      <p:sp>
-        <p:nvSpPr>
-          <p:cNvPr id="37" name="角丸四角形 36"/>
-          <p:cNvSpPr/>
-          <p:nvPr/>
-        </p:nvSpPr>
-        <p:spPr>
-          <a:xfrm>
-            <a:off x="6245226" y="4807881"/>
-            <a:ext cx="4511674" cy="1908000"/>
-          </a:xfrm>
-          <a:prstGeom prst="roundRect">
-            <a:avLst/>
-          </a:prstGeom>
-        </p:spPr>
-        <p:style>
-          <a:lnRef idx="1">
-            <a:schemeClr val="accent2"/>
-          </a:lnRef>
-          <a:fillRef idx="2">
-            <a:schemeClr val="accent2"/>
-          </a:fillRef>
-          <a:effectRef idx="1">
-            <a:schemeClr val="accent2"/>
-          </a:effectRef>
-          <a:fontRef idx="minor">
-            <a:schemeClr val="dk1"/>
-          </a:fontRef>
-        </p:style>
-        <p:txBody>
-          <a:bodyPr rtlCol="0" anchor="t"/>
-          <a:lstStyle/>
-          <a:p>
-            <a:pPr lvl="1"/>
-            <a:r>
-              <a:rPr lang="ja-JP" altLang="en-US" sz="2400" smtClean="0"/>
-              <a:t>クリアシーン</a:t>
-            </a:r>
-            <a:endParaRPr lang="en-US" altLang="ja-JP" sz="2400" smtClean="0"/>
+            <a:r>
+              <a:rPr lang="ja-JP" altLang="en-US" smtClean="0"/>
+              <a:t>→ゲーム→</a:t>
+            </a:r>
+            <a:r>
+              <a:rPr lang="en-US" altLang="ja-JP" smtClean="0"/>
+              <a:t>(</a:t>
+            </a:r>
+            <a:r>
+              <a:rPr lang="ja-JP" altLang="en-US"/>
+              <a:t>クリック</a:t>
+            </a:r>
+            <a:r>
+              <a:rPr lang="en-US" altLang="ja-JP"/>
+              <a:t>)</a:t>
+            </a:r>
+            <a:r>
+              <a:rPr lang="ja-JP" altLang="en-US"/>
+              <a:t>→</a:t>
+            </a:r>
+            <a:r>
+              <a:rPr lang="ja-JP" altLang="en-US" smtClean="0"/>
+              <a:t>ゲームオーバー→</a:t>
+            </a:r>
+            <a:r>
+              <a:rPr lang="en-US" altLang="ja-JP" smtClean="0"/>
+              <a:t>(</a:t>
+            </a:r>
+            <a:r>
+              <a:rPr lang="ja-JP" altLang="en-US"/>
+              <a:t>クリック</a:t>
+            </a:r>
+            <a:r>
+              <a:rPr lang="en-US" altLang="ja-JP"/>
+              <a:t>)</a:t>
+            </a:r>
+            <a:r>
+              <a:rPr lang="ja-JP" altLang="en-US"/>
+              <a:t>→</a:t>
+            </a:r>
+            <a:r>
+              <a:rPr lang="ja-JP" altLang="en-US" smtClean="0"/>
+              <a:t>タイトル</a:t>
+            </a:r>
+            <a:endParaRPr lang="en-US" altLang="ja-JP" smtClean="0"/>
+          </a:p>
+          <a:p>
+            <a:pPr lvl="1">
+              <a:buFont typeface="Wingdings" panose="05000000000000000000" pitchFamily="2" charset="2"/>
+              <a:buChar char="Ø"/>
+            </a:pPr>
+            <a:r>
+              <a:rPr lang="ja-JP" altLang="en-US" smtClean="0"/>
+              <a:t>タイトル→</a:t>
+            </a:r>
+            <a:r>
+              <a:rPr lang="en-US" altLang="ja-JP" smtClean="0"/>
+              <a:t>(</a:t>
+            </a:r>
+            <a:r>
+              <a:rPr lang="ja-JP" altLang="en-US"/>
+              <a:t>クリック</a:t>
+            </a:r>
+            <a:r>
+              <a:rPr lang="en-US" altLang="ja-JP"/>
+              <a:t>)</a:t>
+            </a:r>
+            <a:r>
+              <a:rPr lang="ja-JP" altLang="en-US"/>
+              <a:t>→</a:t>
+            </a:r>
+            <a:r>
+              <a:rPr lang="ja-JP" altLang="en-US" smtClean="0"/>
+              <a:t>ゲーム→</a:t>
+            </a:r>
+            <a:r>
+              <a:rPr lang="en-US" altLang="ja-JP" smtClean="0"/>
+              <a:t>(</a:t>
+            </a:r>
+            <a:r>
+              <a:rPr lang="ja-JP" altLang="en-US"/>
+              <a:t>右</a:t>
+            </a:r>
+            <a:r>
+              <a:rPr lang="ja-JP" altLang="en-US" smtClean="0"/>
+              <a:t>クリック</a:t>
+            </a:r>
+            <a:r>
+              <a:rPr lang="en-US" altLang="ja-JP"/>
+              <a:t>)</a:t>
+            </a:r>
+            <a:r>
+              <a:rPr lang="ja-JP" altLang="en-US"/>
+              <a:t>→</a:t>
+            </a:r>
+            <a:r>
+              <a:rPr lang="ja-JP" altLang="en-US" smtClean="0"/>
+              <a:t>クリア→</a:t>
+            </a:r>
+            <a:r>
+              <a:rPr lang="en-US" altLang="ja-JP" smtClean="0"/>
+              <a:t>(</a:t>
+            </a:r>
+            <a:r>
+              <a:rPr lang="ja-JP" altLang="en-US"/>
+              <a:t>クリック</a:t>
+            </a:r>
+            <a:r>
+              <a:rPr lang="en-US" altLang="ja-JP"/>
+              <a:t>)</a:t>
+            </a:r>
+            <a:r>
+              <a:rPr lang="ja-JP" altLang="en-US"/>
+              <a:t>→</a:t>
+            </a:r>
+            <a:r>
+              <a:rPr lang="ja-JP" altLang="en-US" smtClean="0"/>
+              <a:t>タイトル</a:t>
+            </a:r>
+            <a:endParaRPr lang="en-US" altLang="ja-JP" smtClean="0"/>
+          </a:p>
+          <a:p>
+            <a:pPr marL="514350" indent="-514350">
+              <a:buFont typeface="+mj-lt"/>
+              <a:buAutoNum type="arabicPeriod"/>
+            </a:pPr>
+            <a:r>
+              <a:rPr lang="ja-JP" altLang="en-US" smtClean="0"/>
+              <a:t>ゲーム管理スクリプトを作成</a:t>
+            </a:r>
+            <a:endParaRPr lang="en-US" altLang="ja-JP" smtClean="0"/>
+          </a:p>
+          <a:p>
+            <a:pPr marL="514350" indent="-514350">
+              <a:buFont typeface="+mj-lt"/>
+              <a:buAutoNum type="arabicPeriod"/>
+            </a:pPr>
+            <a:r>
+              <a:rPr lang="ja-JP" altLang="en-US" smtClean="0"/>
+              <a:t>スコアとハイスコアを定義</a:t>
+            </a:r>
+            <a:endParaRPr lang="en-US" altLang="ja-JP" smtClean="0"/>
+          </a:p>
+          <a:p>
+            <a:pPr marL="514350" indent="-514350">
+              <a:buFont typeface="+mj-lt"/>
+              <a:buAutoNum type="arabicPeriod"/>
+            </a:pPr>
+            <a:r>
+              <a:rPr lang="ja-JP" altLang="en-US" smtClean="0"/>
+              <a:t>ゲーム中、スコアをカウントアップ</a:t>
+            </a:r>
+            <a:endParaRPr lang="en-US" altLang="ja-JP" smtClean="0"/>
+          </a:p>
+          <a:p>
+            <a:pPr marL="514350" indent="-514350">
+              <a:buFont typeface="+mj-lt"/>
+              <a:buAutoNum type="arabicPeriod"/>
+            </a:pPr>
+            <a:r>
+              <a:rPr lang="ja-JP" altLang="en-US"/>
+              <a:t>ハイスコア</a:t>
+            </a:r>
+            <a:r>
+              <a:rPr lang="ja-JP" altLang="en-US" smtClean="0"/>
+              <a:t>の読み込み、保存を実装</a:t>
+            </a:r>
+            <a:endParaRPr lang="en-US" altLang="ja-JP" smtClean="0"/>
           </a:p>
         </p:txBody>
       </p:sp>
     </p:spTree>
     <p:extLst>
       <p:ext uri="{BB962C8B-B14F-4D97-AF65-F5344CB8AC3E}">
-        <p14:creationId xmlns:p14="http://schemas.microsoft.com/office/powerpoint/2010/main" val="865135176"/>
+        <p14:creationId xmlns:p14="http://schemas.microsoft.com/office/powerpoint/2010/main" val="2669713878"/>
       </p:ext>
     </p:extLst>
   </p:cSld>
@@ -7045,8 +8259,8 @@
               <a:t>(</a:t>
             </a:r>
             <a:r>
-              <a:rPr lang="ja-JP" altLang="en-US"/>
-              <a:t>スコア</a:t>
+              <a:rPr kumimoji="1" lang="ja-JP" altLang="en-US" smtClean="0"/>
+              <a:t>シーン</a:t>
             </a:r>
             <a:r>
               <a:rPr kumimoji="1" lang="en-US" altLang="ja-JP" smtClean="0"/>
@@ -7152,266 +8366,30 @@
           </a:p>
         </p:txBody>
       </p:sp>
-      <p:grpSp>
-        <p:nvGrpSpPr>
-          <p:cNvPr id="18" name="グループ化 17"/>
-          <p:cNvGrpSpPr/>
-          <p:nvPr/>
-        </p:nvGrpSpPr>
-        <p:grpSpPr>
-          <a:xfrm>
-            <a:off x="3911601" y="1038564"/>
-            <a:ext cx="6845299" cy="1428062"/>
-            <a:chOff x="3911601" y="1038564"/>
-            <a:chExt cx="6845299" cy="1428062"/>
-          </a:xfrm>
-        </p:grpSpPr>
-        <p:sp>
-          <p:nvSpPr>
-            <p:cNvPr id="9" name="角丸四角形 8"/>
-            <p:cNvSpPr/>
-            <p:nvPr/>
-          </p:nvSpPr>
-          <p:spPr>
-            <a:xfrm>
-              <a:off x="3911601" y="1038564"/>
-              <a:ext cx="6845299" cy="1428062"/>
-            </a:xfrm>
-            <a:prstGeom prst="roundRect">
-              <a:avLst/>
-            </a:prstGeom>
-          </p:spPr>
-          <p:style>
-            <a:lnRef idx="2">
-              <a:schemeClr val="accent6"/>
-            </a:lnRef>
-            <a:fillRef idx="1">
-              <a:schemeClr val="lt1"/>
-            </a:fillRef>
-            <a:effectRef idx="0">
-              <a:schemeClr val="accent6"/>
-            </a:effectRef>
-            <a:fontRef idx="minor">
-              <a:schemeClr val="dk1"/>
-            </a:fontRef>
-          </p:style>
-          <p:txBody>
-            <a:bodyPr rtlCol="0" anchor="t"/>
-            <a:lstStyle/>
-            <a:p>
-              <a:pPr lvl="1"/>
-              <a:r>
-                <a:rPr lang="en-US" altLang="ja-JP" sz="2000" smtClean="0"/>
-                <a:t>TitleManager</a:t>
-              </a:r>
-              <a:r>
-                <a:rPr lang="ja-JP" altLang="en-US" sz="2000" smtClean="0"/>
-                <a:t>オブジェクト</a:t>
-              </a:r>
-              <a:endParaRPr lang="en-US" altLang="ja-JP" sz="2000" smtClean="0"/>
-            </a:p>
-          </p:txBody>
-        </p:sp>
-        <p:sp>
-          <p:nvSpPr>
-            <p:cNvPr id="15" name="テキスト ボックス 14"/>
-            <p:cNvSpPr txBox="1"/>
-            <p:nvPr/>
-          </p:nvSpPr>
-          <p:spPr>
-            <a:xfrm>
-              <a:off x="7350126" y="1551299"/>
-              <a:ext cx="3111500" cy="707886"/>
-            </a:xfrm>
-            <a:prstGeom prst="rect">
-              <a:avLst/>
-            </a:prstGeom>
-            <a:solidFill>
-              <a:schemeClr val="accent4"/>
-            </a:solidFill>
-          </p:spPr>
-          <p:style>
-            <a:lnRef idx="2">
-              <a:schemeClr val="dk1"/>
-            </a:lnRef>
-            <a:fillRef idx="1">
-              <a:schemeClr val="lt1"/>
-            </a:fillRef>
-            <a:effectRef idx="0">
-              <a:schemeClr val="dk1"/>
-            </a:effectRef>
-            <a:fontRef idx="minor">
-              <a:schemeClr val="dk1"/>
-            </a:fontRef>
-          </p:style>
-          <p:txBody>
-            <a:bodyPr wrap="square" rtlCol="0">
-              <a:spAutoFit/>
-            </a:bodyPr>
-            <a:lstStyle/>
-            <a:p>
-              <a:pPr lvl="1"/>
-              <a:r>
-                <a:rPr lang="en-US" altLang="ja-JP" sz="2000"/>
-                <a:t>GameParams.cs</a:t>
-              </a:r>
-            </a:p>
-            <a:p>
-              <a:pPr marL="800100" lvl="1" indent="-342900">
-                <a:buFont typeface="Arial" panose="020B0604020202020204" pitchFamily="34" charset="0"/>
-                <a:buChar char="•"/>
-              </a:pPr>
-              <a:r>
-                <a:rPr lang="ja-JP" altLang="en-US" sz="2000"/>
-                <a:t>スコアなど管理</a:t>
-              </a:r>
-              <a:endParaRPr lang="en-US" altLang="ja-JP" sz="2000"/>
-            </a:p>
-          </p:txBody>
-        </p:sp>
-      </p:grpSp>
-      <p:grpSp>
-        <p:nvGrpSpPr>
-          <p:cNvPr id="28" name="グループ化 27"/>
-          <p:cNvGrpSpPr/>
-          <p:nvPr/>
-        </p:nvGrpSpPr>
-        <p:grpSpPr>
-          <a:xfrm>
-            <a:off x="3911601" y="3063970"/>
-            <a:ext cx="6845299" cy="1415350"/>
-            <a:chOff x="3611739" y="2792583"/>
-            <a:chExt cx="6845299" cy="1415350"/>
-          </a:xfrm>
-        </p:grpSpPr>
-        <p:sp>
-          <p:nvSpPr>
-            <p:cNvPr id="11" name="角丸四角形 10"/>
-            <p:cNvSpPr/>
-            <p:nvPr/>
-          </p:nvSpPr>
-          <p:spPr>
-            <a:xfrm>
-              <a:off x="3611739" y="2792583"/>
-              <a:ext cx="6845299" cy="1415350"/>
-            </a:xfrm>
-            <a:prstGeom prst="roundRect">
-              <a:avLst/>
-            </a:prstGeom>
-          </p:spPr>
-          <p:style>
-            <a:lnRef idx="2">
-              <a:schemeClr val="accent6"/>
-            </a:lnRef>
-            <a:fillRef idx="1">
-              <a:schemeClr val="lt1"/>
-            </a:fillRef>
-            <a:effectRef idx="0">
-              <a:schemeClr val="accent6"/>
-            </a:effectRef>
-            <a:fontRef idx="minor">
-              <a:schemeClr val="dk1"/>
-            </a:fontRef>
-          </p:style>
-          <p:txBody>
-            <a:bodyPr rtlCol="0" anchor="t"/>
-            <a:lstStyle/>
-            <a:p>
-              <a:pPr lvl="1"/>
-              <a:r>
-                <a:rPr lang="en-US" altLang="ja-JP" sz="2000" smtClean="0"/>
-                <a:t>GameManager</a:t>
-              </a:r>
-              <a:r>
-                <a:rPr lang="ja-JP" altLang="en-US" sz="2000" smtClean="0"/>
-                <a:t>オブジェクト</a:t>
-              </a:r>
-              <a:endParaRPr lang="en-US" altLang="ja-JP" sz="2000" smtClean="0"/>
-            </a:p>
-          </p:txBody>
-        </p:sp>
-        <p:sp>
-          <p:nvSpPr>
-            <p:cNvPr id="17" name="テキスト ボックス 16"/>
-            <p:cNvSpPr txBox="1"/>
-            <p:nvPr/>
-          </p:nvSpPr>
-          <p:spPr>
-            <a:xfrm>
-              <a:off x="7050969" y="3267243"/>
-              <a:ext cx="3111500" cy="707886"/>
-            </a:xfrm>
-            <a:prstGeom prst="rect">
-              <a:avLst/>
-            </a:prstGeom>
-            <a:solidFill>
-              <a:schemeClr val="accent4"/>
-            </a:solidFill>
-          </p:spPr>
-          <p:style>
-            <a:lnRef idx="2">
-              <a:schemeClr val="dk1"/>
-            </a:lnRef>
-            <a:fillRef idx="1">
-              <a:schemeClr val="lt1"/>
-            </a:fillRef>
-            <a:effectRef idx="0">
-              <a:schemeClr val="dk1"/>
-            </a:effectRef>
-            <a:fontRef idx="minor">
-              <a:schemeClr val="dk1"/>
-            </a:fontRef>
-          </p:style>
-          <p:txBody>
-            <a:bodyPr wrap="square" rtlCol="0">
-              <a:spAutoFit/>
-            </a:bodyPr>
-            <a:lstStyle/>
-            <a:p>
-              <a:pPr lvl="1"/>
-              <a:r>
-                <a:rPr lang="en-US" altLang="ja-JP" sz="2000"/>
-                <a:t>GameParams.cs</a:t>
-              </a:r>
-            </a:p>
-            <a:p>
-              <a:pPr marL="800100" lvl="1" indent="-342900">
-                <a:buFont typeface="Arial" panose="020B0604020202020204" pitchFamily="34" charset="0"/>
-                <a:buChar char="•"/>
-              </a:pPr>
-              <a:r>
-                <a:rPr lang="ja-JP" altLang="en-US" sz="2000"/>
-                <a:t>スコアなど管理</a:t>
-              </a:r>
-              <a:endParaRPr lang="en-US" altLang="ja-JP" sz="2000"/>
-            </a:p>
-          </p:txBody>
-        </p:sp>
-      </p:grpSp>
-      <p:sp>
-        <p:nvSpPr>
-          <p:cNvPr id="20" name="角丸四角形 19"/>
+      <p:sp>
+        <p:nvSpPr>
+          <p:cNvPr id="36" name="角丸四角形 35"/>
           <p:cNvSpPr/>
           <p:nvPr/>
         </p:nvSpPr>
         <p:spPr>
           <a:xfrm>
-            <a:off x="1384301" y="1642966"/>
-            <a:ext cx="2287412" cy="823660"/>
+            <a:off x="1241426" y="4807880"/>
+            <a:ext cx="4511674" cy="1908000"/>
           </a:xfrm>
           <a:prstGeom prst="roundRect">
             <a:avLst/>
           </a:prstGeom>
         </p:spPr>
         <p:style>
-          <a:lnRef idx="2">
-            <a:schemeClr val="accent6"/>
+          <a:lnRef idx="1">
+            <a:schemeClr val="accent2"/>
           </a:lnRef>
-          <a:fillRef idx="1">
-            <a:schemeClr val="lt1"/>
+          <a:fillRef idx="2">
+            <a:schemeClr val="accent2"/>
           </a:fillRef>
-          <a:effectRef idx="0">
-            <a:schemeClr val="accent6"/>
+          <a:effectRef idx="1">
+            <a:schemeClr val="accent2"/>
           </a:effectRef>
           <a:fontRef idx="minor">
             <a:schemeClr val="dk1"/>
@@ -7423,83 +8401,37 @@
           <a:p>
             <a:pPr lvl="1"/>
             <a:r>
-              <a:rPr lang="en-US" altLang="ja-JP" sz="2000" smtClean="0"/>
-              <a:t>ScoreText</a:t>
-            </a:r>
-          </a:p>
-          <a:p>
-            <a:pPr lvl="1"/>
-            <a:r>
-              <a:rPr lang="ja-JP" altLang="en-US" sz="2000" smtClean="0"/>
-              <a:t>オブジェクト</a:t>
-            </a:r>
-            <a:endParaRPr lang="en-US" altLang="ja-JP" sz="2000" smtClean="0"/>
-          </a:p>
-        </p:txBody>
-      </p:sp>
-      <p:cxnSp>
-        <p:nvCxnSpPr>
-          <p:cNvPr id="24" name="曲線コネクタ 23"/>
-          <p:cNvCxnSpPr>
-            <a:stCxn id="20" idx="2"/>
-            <a:endCxn id="15" idx="2"/>
-          </p:cNvCxnSpPr>
-          <p:nvPr/>
-        </p:nvCxnSpPr>
-        <p:spPr>
-          <a:xfrm rot="5400000" flipH="1" flipV="1">
-            <a:off x="5613220" y="-826029"/>
-            <a:ext cx="207441" cy="6377869"/>
-          </a:xfrm>
-          <a:prstGeom prst="curvedConnector3">
-            <a:avLst>
-              <a:gd name="adj1" fmla="val -110200"/>
-            </a:avLst>
-          </a:prstGeom>
-          <a:ln w="38100">
-            <a:headEnd type="none" w="med" len="med"/>
-            <a:tailEnd type="arrow" w="med" len="med"/>
-          </a:ln>
-        </p:spPr>
-        <p:style>
-          <a:lnRef idx="3">
-            <a:schemeClr val="accent1"/>
-          </a:lnRef>
-          <a:fillRef idx="0">
-            <a:schemeClr val="accent1"/>
-          </a:fillRef>
-          <a:effectRef idx="2">
-            <a:schemeClr val="accent1"/>
-          </a:effectRef>
-          <a:fontRef idx="minor">
-            <a:schemeClr val="tx1"/>
-          </a:fontRef>
-        </p:style>
-      </p:cxnSp>
-      <p:sp>
-        <p:nvSpPr>
-          <p:cNvPr id="27" name="角丸四角形 26"/>
+              <a:rPr lang="ja-JP" altLang="en-US" sz="2400" smtClean="0"/>
+              <a:t>ゲームオーバーシーン</a:t>
+            </a:r>
+            <a:endParaRPr lang="en-US" altLang="ja-JP" sz="2400" smtClean="0"/>
+          </a:p>
+        </p:txBody>
+      </p:sp>
+      <p:sp>
+        <p:nvSpPr>
+          <p:cNvPr id="37" name="角丸四角形 36"/>
           <p:cNvSpPr/>
           <p:nvPr/>
         </p:nvSpPr>
         <p:spPr>
           <a:xfrm>
-            <a:off x="1351139" y="3655660"/>
-            <a:ext cx="2287412" cy="823660"/>
+            <a:off x="6245226" y="4807881"/>
+            <a:ext cx="4511674" cy="1908000"/>
           </a:xfrm>
           <a:prstGeom prst="roundRect">
             <a:avLst/>
           </a:prstGeom>
         </p:spPr>
         <p:style>
-          <a:lnRef idx="2">
-            <a:schemeClr val="accent6"/>
+          <a:lnRef idx="1">
+            <a:schemeClr val="accent2"/>
           </a:lnRef>
-          <a:fillRef idx="1">
-            <a:schemeClr val="lt1"/>
+          <a:fillRef idx="2">
+            <a:schemeClr val="accent2"/>
           </a:fillRef>
-          <a:effectRef idx="0">
-            <a:schemeClr val="accent6"/>
+          <a:effectRef idx="1">
+            <a:schemeClr val="accent2"/>
           </a:effectRef>
           <a:fontRef idx="minor">
             <a:schemeClr val="dk1"/>
@@ -7511,162 +8443,17 @@
           <a:p>
             <a:pPr lvl="1"/>
             <a:r>
-              <a:rPr lang="en-US" altLang="ja-JP" sz="2000" smtClean="0"/>
-              <a:t>ScoreText</a:t>
-            </a:r>
-          </a:p>
-          <a:p>
-            <a:pPr lvl="1"/>
-            <a:r>
-              <a:rPr lang="ja-JP" altLang="en-US" sz="2000" smtClean="0"/>
-              <a:t>オブジェクト</a:t>
-            </a:r>
-            <a:endParaRPr lang="en-US" altLang="ja-JP" sz="2000" smtClean="0"/>
-          </a:p>
-        </p:txBody>
-      </p:sp>
-      <p:cxnSp>
-        <p:nvCxnSpPr>
-          <p:cNvPr id="30" name="曲線コネクタ 29"/>
-          <p:cNvCxnSpPr>
-            <a:stCxn id="27" idx="2"/>
-            <a:endCxn id="17" idx="2"/>
-          </p:cNvCxnSpPr>
-          <p:nvPr/>
-        </p:nvCxnSpPr>
-        <p:spPr>
-          <a:xfrm rot="5400000" flipH="1" flipV="1">
-            <a:off x="5584311" y="1157050"/>
-            <a:ext cx="232804" cy="6411736"/>
-          </a:xfrm>
-          <a:prstGeom prst="curvedConnector3">
-            <a:avLst>
-              <a:gd name="adj1" fmla="val -98194"/>
-            </a:avLst>
-          </a:prstGeom>
-          <a:ln w="38100">
-            <a:headEnd type="none" w="med" len="med"/>
-            <a:tailEnd type="arrow" w="med" len="med"/>
-          </a:ln>
-        </p:spPr>
-        <p:style>
-          <a:lnRef idx="3">
-            <a:schemeClr val="accent1"/>
-          </a:lnRef>
-          <a:fillRef idx="0">
-            <a:schemeClr val="accent1"/>
-          </a:fillRef>
-          <a:effectRef idx="2">
-            <a:schemeClr val="accent1"/>
-          </a:effectRef>
-          <a:fontRef idx="minor">
-            <a:schemeClr val="tx1"/>
-          </a:fontRef>
-        </p:style>
-      </p:cxnSp>
-      <p:sp>
-        <p:nvSpPr>
-          <p:cNvPr id="3" name="上下矢印 2"/>
-          <p:cNvSpPr/>
-          <p:nvPr/>
-        </p:nvSpPr>
-        <p:spPr>
-          <a:xfrm>
-            <a:off x="9315450" y="2281041"/>
-            <a:ext cx="736600" cy="1287423"/>
-          </a:xfrm>
-          <a:prstGeom prst="upDownArrow">
-            <a:avLst/>
-          </a:prstGeom>
-          <a:effectLst>
-            <a:outerShdw blurRad="50800" dist="38100" dir="2700000" algn="tl" rotWithShape="0">
-              <a:prstClr val="black">
-                <a:alpha val="40000"/>
-              </a:prstClr>
-            </a:outerShdw>
-          </a:effectLst>
-        </p:spPr>
-        <p:style>
-          <a:lnRef idx="2">
-            <a:schemeClr val="accent4">
-              <a:shade val="50000"/>
-            </a:schemeClr>
-          </a:lnRef>
-          <a:fillRef idx="1">
-            <a:schemeClr val="accent4"/>
-          </a:fillRef>
-          <a:effectRef idx="0">
-            <a:schemeClr val="accent4"/>
-          </a:effectRef>
-          <a:fontRef idx="minor">
-            <a:schemeClr val="lt1"/>
-          </a:fontRef>
-        </p:style>
-        <p:txBody>
-          <a:bodyPr rtlCol="0" anchor="ctr"/>
-          <a:lstStyle/>
-          <a:p>
-            <a:pPr algn="ctr"/>
-            <a:endParaRPr kumimoji="1" lang="ja-JP" altLang="en-US"/>
-          </a:p>
-        </p:txBody>
-      </p:sp>
-      <p:sp>
-        <p:nvSpPr>
-          <p:cNvPr id="4" name="テキスト ボックス 3"/>
-          <p:cNvSpPr txBox="1"/>
-          <p:nvPr/>
-        </p:nvSpPr>
-        <p:spPr>
-          <a:xfrm>
-            <a:off x="8305800" y="2724490"/>
-            <a:ext cx="2832100" cy="461665"/>
-          </a:xfrm>
-          <a:prstGeom prst="rect">
-            <a:avLst/>
-          </a:prstGeom>
-          <a:noFill/>
-        </p:spPr>
-        <p:txBody>
-          <a:bodyPr wrap="square" rtlCol="0">
-            <a:spAutoFit/>
-          </a:bodyPr>
-          <a:lstStyle/>
-          <a:p>
-            <a:r>
-              <a:rPr kumimoji="1" lang="ja-JP" altLang="en-US" sz="2400" smtClean="0">
-                <a:solidFill>
-                  <a:srgbClr val="FF0000"/>
-                </a:solidFill>
-                <a:effectLst>
-                  <a:outerShdw blurRad="38100" dist="38100" dir="2700000" algn="tl">
-                    <a:srgbClr val="000000">
-                      <a:alpha val="43137"/>
-                    </a:srgbClr>
-                  </a:outerShdw>
-                </a:effectLst>
-              </a:rPr>
-              <a:t>同じスクリプトを利用</a:t>
-            </a:r>
-            <a:endParaRPr kumimoji="1" lang="ja-JP" altLang="en-US" sz="2400">
-              <a:solidFill>
-                <a:srgbClr val="FF0000"/>
-              </a:solidFill>
-              <a:effectLst>
-                <a:outerShdw blurRad="38100" dist="38100" dir="2700000" algn="tl">
-                  <a:srgbClr val="000000">
-                    <a:alpha val="43137"/>
-                  </a:srgbClr>
-                </a:outerShdw>
-              </a:effectLst>
-            </a:endParaRPr>
+              <a:rPr lang="ja-JP" altLang="en-US" sz="2400" smtClean="0"/>
+              <a:t>クリアシーン</a:t>
+            </a:r>
+            <a:endParaRPr lang="en-US" altLang="ja-JP" sz="2400" smtClean="0"/>
           </a:p>
         </p:txBody>
       </p:sp>
     </p:spTree>
     <p:extLst>
       <p:ext uri="{BB962C8B-B14F-4D97-AF65-F5344CB8AC3E}">
-        <p14:creationId xmlns:p14="http://schemas.microsoft.com/office/powerpoint/2010/main" val="1047739041"/>
+        <p14:creationId xmlns:p14="http://schemas.microsoft.com/office/powerpoint/2010/main" val="865135176"/>
       </p:ext>
     </p:extLst>
   </p:cSld>
